--- a/docs/企业微信基础玩法_1635478371902.pptx
+++ b/docs/企业微信基础玩法_1635478371902.pptx
@@ -4244,7 +4244,7 @@
         <a:spcAft>
           <a:spcPts val="1000"/>
         </a:spcAft>
-        <a:buFont typeface="Arial" panose="020B0604020202020204" pitchFamily="34" charset="0"/>
+        <a:buFont typeface="Arial" panose="020B0604020202090204" pitchFamily="34" charset="0"/>
         <a:buChar char="●"/>
         <a:defRPr sz="1800" u="none" strike="noStrike" kern="1200" cap="none" spc="150" normalizeH="0" baseline="0">
           <a:solidFill>
@@ -4269,7 +4269,7 @@
         <a:spcAft>
           <a:spcPts val="600"/>
         </a:spcAft>
-        <a:buFont typeface="Arial" panose="020B0604020202020204" pitchFamily="34" charset="0"/>
+        <a:buFont typeface="Arial" panose="020B0604020202090204" pitchFamily="34" charset="0"/>
         <a:buChar char="●"/>
         <a:tabLst>
           <a:tab pos="1609725" algn="l"/>
@@ -4300,7 +4300,7 @@
         <a:spcAft>
           <a:spcPts val="600"/>
         </a:spcAft>
-        <a:buFont typeface="Arial" panose="020B0604020202020204" pitchFamily="34" charset="0"/>
+        <a:buFont typeface="Arial" panose="020B0604020202090204" pitchFamily="34" charset="0"/>
         <a:buChar char="●"/>
         <a:defRPr sz="1600" u="none" strike="noStrike" kern="1200" cap="none" spc="150" normalizeH="0" baseline="0">
           <a:solidFill>
@@ -4350,7 +4350,7 @@
         <a:spcAft>
           <a:spcPts val="300"/>
         </a:spcAft>
-        <a:buFont typeface="Arial" panose="020B0604020202020204" pitchFamily="34" charset="0"/>
+        <a:buFont typeface="Arial" panose="020B0604020202090204" pitchFamily="34" charset="0"/>
         <a:buChar char="•"/>
         <a:defRPr sz="1400" u="none" strike="noStrike" kern="1200" cap="none" spc="150" normalizeH="0" baseline="0">
           <a:solidFill>
@@ -4372,7 +4372,7 @@
         <a:spcBef>
           <a:spcPts val="500"/>
         </a:spcBef>
-        <a:buFont typeface="Arial" panose="020B0604020202020204" pitchFamily="34" charset="0"/>
+        <a:buFont typeface="Arial" panose="020B0604020202090204" pitchFamily="34" charset="0"/>
         <a:buChar char="•"/>
         <a:defRPr sz="1800" kern="1200">
           <a:solidFill>
@@ -4390,7 +4390,7 @@
         <a:spcBef>
           <a:spcPts val="500"/>
         </a:spcBef>
-        <a:buFont typeface="Arial" panose="020B0604020202020204" pitchFamily="34" charset="0"/>
+        <a:buFont typeface="Arial" panose="020B0604020202090204" pitchFamily="34" charset="0"/>
         <a:buChar char="•"/>
         <a:defRPr sz="1800" kern="1200">
           <a:solidFill>
@@ -4408,7 +4408,7 @@
         <a:spcBef>
           <a:spcPts val="500"/>
         </a:spcBef>
-        <a:buFont typeface="Arial" panose="020B0604020202020204" pitchFamily="34" charset="0"/>
+        <a:buFont typeface="Arial" panose="020B0604020202090204" pitchFamily="34" charset="0"/>
         <a:buChar char="•"/>
         <a:defRPr sz="1800" kern="1200">
           <a:solidFill>
@@ -4426,7 +4426,7 @@
         <a:spcBef>
           <a:spcPts val="500"/>
         </a:spcBef>
-        <a:buFont typeface="Arial" panose="020B0604020202020204" pitchFamily="34" charset="0"/>
+        <a:buFont typeface="Arial" panose="020B0604020202090204" pitchFamily="34" charset="0"/>
         <a:buChar char="•"/>
         <a:defRPr sz="1800" kern="1200">
           <a:solidFill>
@@ -4864,7 +4864,7 @@
         </p:nvSpPr>
         <p:spPr>
           <a:xfrm>
-            <a:off x="2257425" y="1986915"/>
+            <a:off x="2257425" y="1981200"/>
             <a:ext cx="5524500" cy="1322070"/>
           </a:xfrm>
           <a:prstGeom prst="rect">
@@ -4901,7 +4901,7 @@
         <p:spPr>
           <a:xfrm>
             <a:off x="2257425" y="3150235"/>
-            <a:ext cx="4268470" cy="1106805"/>
+            <a:ext cx="4268470" cy="706755"/>
           </a:xfrm>
           <a:prstGeom prst="rect">
             <a:avLst/>
@@ -4915,38 +4915,20 @@
           <a:p>
             <a:pPr algn="dist"/>
             <a:r>
-              <a:rPr lang="en-US" altLang="zh-CN" sz="6600">
-                <a:ln w="47625">
-                  <a:noFill/>
-                </a:ln>
+              <a:rPr lang="zh-CN" altLang="en-US" sz="4000">
                 <a:solidFill>
-                  <a:schemeClr val="bg2">
-                    <a:alpha val="85000"/>
+                  <a:schemeClr val="bg1">
+                    <a:alpha val="64000"/>
                   </a:schemeClr>
                 </a:solidFill>
                 <a:latin typeface="思源黑体 CN Regular" panose="020B0500000000000000" charset="-122"/>
                 <a:ea typeface="思源黑体 CN Regular" panose="020B0500000000000000" charset="-122"/>
                 <a:cs typeface="思源黑体 CN Regular" panose="020B0500000000000000" charset="-122"/>
+                <a:sym typeface="+mn-ea"/>
               </a:rPr>
-              <a:t>10</a:t>
+              <a:t>企微基础玩法</a:t>
             </a:r>
-            <a:r>
-              <a:rPr lang="zh-CN" altLang="en-US" sz="6600">
-                <a:ln w="47625">
-                  <a:noFill/>
-                </a:ln>
-                <a:solidFill>
-                  <a:schemeClr val="bg2">
-                    <a:alpha val="85000"/>
-                  </a:schemeClr>
-                </a:solidFill>
-                <a:latin typeface="思源黑体 CN Regular" panose="020B0500000000000000" charset="-122"/>
-                <a:ea typeface="思源黑体 CN Regular" panose="020B0500000000000000" charset="-122"/>
-                <a:cs typeface="思源黑体 CN Regular" panose="020B0500000000000000" charset="-122"/>
-              </a:rPr>
-              <a:t>月规划</a:t>
-            </a:r>
-            <a:endParaRPr lang="zh-CN" altLang="en-US" sz="6600">
+            <a:endParaRPr lang="zh-CN" altLang="en-US" sz="4000">
               <a:ln w="47625">
                 <a:noFill/>
               </a:ln>
@@ -5101,7 +5083,7 @@
         <p:spPr>
           <a:xfrm>
             <a:off x="2506345" y="1508125"/>
-            <a:ext cx="2712720" cy="521970"/>
+            <a:ext cx="2712720" cy="306705"/>
           </a:xfrm>
           <a:prstGeom prst="rect">
             <a:avLst/>
@@ -5125,34 +5107,7 @@
                 <a:ea typeface="思源黑体 CN Regular" panose="020B0500000000000000" charset="-122"/>
                 <a:cs typeface="思源黑体 CN Regular" panose="020B0500000000000000" charset="-122"/>
               </a:rPr>
-              <a:t>轻源起</a:t>
-            </a:r>
-            <a:endParaRPr lang="zh-CN" altLang="en-US" sz="1400">
-              <a:solidFill>
-                <a:schemeClr val="bg1">
-                  <a:alpha val="64000"/>
-                </a:schemeClr>
-              </a:solidFill>
-              <a:latin typeface="思源黑体 CN Regular" panose="020B0500000000000000" charset="-122"/>
-              <a:ea typeface="思源黑体 CN Regular" panose="020B0500000000000000" charset="-122"/>
-              <a:cs typeface="思源黑体 CN Regular" panose="020B0500000000000000" charset="-122"/>
-            </a:endParaRPr>
-          </a:p>
-          <a:p>
-            <a:pPr algn="dist"/>
-            <a:r>
-              <a:rPr lang="en-US" sz="1400">
-                <a:solidFill>
-                  <a:schemeClr val="bg1">
-                    <a:alpha val="64000"/>
-                  </a:schemeClr>
-                </a:solidFill>
-                <a:latin typeface="思源黑体 CN Regular" panose="020B0500000000000000" charset="-122"/>
-                <a:ea typeface="思源黑体 CN Regular" panose="020B0500000000000000" charset="-122"/>
-                <a:cs typeface="思源黑体 CN Regular" panose="020B0500000000000000" charset="-122"/>
-                <a:sym typeface="思源黑体 CN Regular" panose="020B0500000000000000" charset="-122"/>
-              </a:rPr>
-              <a:t>QINGYUANQI</a:t>
+              <a:t>企微基础玩法</a:t>
             </a:r>
             <a:endParaRPr lang="zh-CN" altLang="en-US" sz="1400">
               <a:solidFill>
@@ -6045,6 +6000,30 @@
         <p:nvPr/>
       </p:nvGrpSpPr>
       <p:grpSpPr/>
+      <p:pic>
+        <p:nvPicPr>
+          <p:cNvPr id="2" name="图片 1"/>
+          <p:cNvPicPr>
+            <a:picLocks noChangeAspect="1"/>
+          </p:cNvPicPr>
+          <p:nvPr/>
+        </p:nvPicPr>
+        <p:blipFill>
+          <a:blip r:embed="rId1"/>
+          <a:stretch>
+            <a:fillRect/>
+          </a:stretch>
+        </p:blipFill>
+        <p:spPr>
+          <a:xfrm>
+            <a:off x="660400" y="1041400"/>
+            <a:ext cx="5584190" cy="3692525"/>
+          </a:xfrm>
+          <a:prstGeom prst="rect">
+            <a:avLst/>
+          </a:prstGeom>
+        </p:spPr>
+      </p:pic>
       <p:sp>
         <p:nvSpPr>
           <p:cNvPr id="10" name="圆角矩形 9"/>
@@ -6227,30 +6206,6 @@
       </p:sp>
       <p:pic>
         <p:nvPicPr>
-          <p:cNvPr id="6" name="图片 5"/>
-          <p:cNvPicPr>
-            <a:picLocks noChangeAspect="1"/>
-          </p:cNvPicPr>
-          <p:nvPr/>
-        </p:nvPicPr>
-        <p:blipFill>
-          <a:blip r:embed="rId1"/>
-          <a:stretch>
-            <a:fillRect/>
-          </a:stretch>
-        </p:blipFill>
-        <p:spPr>
-          <a:xfrm>
-            <a:off x="99060" y="1094105"/>
-            <a:ext cx="5408295" cy="3591560"/>
-          </a:xfrm>
-          <a:prstGeom prst="rect">
-            <a:avLst/>
-          </a:prstGeom>
-        </p:spPr>
-      </p:pic>
-      <p:pic>
-        <p:nvPicPr>
           <p:cNvPr id="8" name="图片 7"/>
           <p:cNvPicPr>
             <a:picLocks noChangeAspect="1"/>
@@ -6265,7 +6220,7 @@
         </p:blipFill>
         <p:spPr>
           <a:xfrm>
-            <a:off x="3597275" y="2287905"/>
+            <a:off x="3759835" y="3235325"/>
             <a:ext cx="4672965" cy="3246755"/>
           </a:xfrm>
           <a:prstGeom prst="rect">
@@ -6289,7 +6244,7 @@
         </p:blipFill>
         <p:spPr>
           <a:xfrm>
-            <a:off x="6868795" y="875665"/>
+            <a:off x="6092825" y="355600"/>
             <a:ext cx="3690620" cy="2918460"/>
           </a:xfrm>
           <a:prstGeom prst="rect">
@@ -6313,7 +6268,7 @@
         </p:blipFill>
         <p:spPr>
           <a:xfrm>
-            <a:off x="8444230" y="3101340"/>
+            <a:off x="8719820" y="3159760"/>
             <a:ext cx="3472180" cy="3397885"/>
           </a:xfrm>
           <a:prstGeom prst="rect">
@@ -6660,7 +6615,7 @@
                 <a:latin typeface="思源黑体 CN Regular" panose="020B0500000000000000" charset="-122"/>
                 <a:ea typeface="思源黑体 CN Regular" panose="020B0500000000000000" charset="-122"/>
                 <a:cs typeface="思源黑体 CN Regular" panose="020B0500000000000000" charset="-122"/>
-                <a:sym typeface="Arial" panose="020B0604020202020204" pitchFamily="34" charset="0"/>
+                <a:sym typeface="Arial" panose="020B0604020202090204" pitchFamily="34" charset="0"/>
               </a:rPr>
               <a:t>把圈起来的都关闭</a:t>
             </a:r>
@@ -6671,14 +6626,14 @@
               <a:latin typeface="思源黑体 CN Regular" panose="020B0500000000000000" charset="-122"/>
               <a:ea typeface="思源黑体 CN Regular" panose="020B0500000000000000" charset="-122"/>
               <a:cs typeface="思源黑体 CN Regular" panose="020B0500000000000000" charset="-122"/>
-              <a:sym typeface="Arial" panose="020B0604020202020204" pitchFamily="34" charset="0"/>
+              <a:sym typeface="Arial" panose="020B0604020202090204" pitchFamily="34" charset="0"/>
             </a:endParaRPr>
           </a:p>
         </p:txBody>
       </p:sp>
       <p:pic>
         <p:nvPicPr>
-          <p:cNvPr id="8" name="图片 7"/>
+          <p:cNvPr id="9" name="图片 8"/>
           <p:cNvPicPr>
             <a:picLocks noChangeAspect="1"/>
           </p:cNvPicPr>
@@ -6692,8 +6647,8 @@
         </p:blipFill>
         <p:spPr>
           <a:xfrm>
-            <a:off x="92710" y="4215765"/>
-            <a:ext cx="3787775" cy="2548255"/>
+            <a:off x="340995" y="3848100"/>
+            <a:ext cx="4186555" cy="2823210"/>
           </a:xfrm>
           <a:prstGeom prst="rect">
             <a:avLst/>
@@ -7780,7 +7735,7 @@
               <a:latin typeface="思源黑体 CN Regular" panose="020B0500000000000000" charset="-122"/>
               <a:ea typeface="思源黑体 CN Regular" panose="020B0500000000000000" charset="-122"/>
               <a:cs typeface="思源黑体 CN Regular" panose="020B0500000000000000" charset="-122"/>
-              <a:sym typeface="Arial" panose="020B0604020202020204" pitchFamily="34" charset="0"/>
+              <a:sym typeface="Arial" panose="020B0604020202090204" pitchFamily="34" charset="0"/>
             </a:endParaRPr>
           </a:p>
         </p:txBody>
@@ -8462,7 +8417,7 @@
                 <a:latin typeface="思源黑体 CN Regular" panose="020B0500000000000000" charset="-122"/>
                 <a:ea typeface="思源黑体 CN Regular" panose="020B0500000000000000" charset="-122"/>
                 <a:cs typeface="思源黑体 CN Regular" panose="020B0500000000000000" charset="-122"/>
-                <a:sym typeface="Arial" panose="020B0604020202020204" pitchFamily="34" charset="0"/>
+                <a:sym typeface="Arial" panose="020B0604020202090204" pitchFamily="34" charset="0"/>
               </a:rPr>
               <a:t>邀请同事加入企业</a:t>
             </a:r>
@@ -8473,7 +8428,7 @@
               <a:latin typeface="思源黑体 CN Regular" panose="020B0500000000000000" charset="-122"/>
               <a:ea typeface="思源黑体 CN Regular" panose="020B0500000000000000" charset="-122"/>
               <a:cs typeface="思源黑体 CN Regular" panose="020B0500000000000000" charset="-122"/>
-              <a:sym typeface="Arial" panose="020B0604020202020204" pitchFamily="34" charset="0"/>
+              <a:sym typeface="Arial" panose="020B0604020202090204" pitchFamily="34" charset="0"/>
             </a:endParaRPr>
           </a:p>
         </p:txBody>
@@ -8803,7 +8758,7 @@
                 <a:latin typeface="思源黑体 CN Regular" panose="020B0500000000000000" charset="-122"/>
                 <a:ea typeface="思源黑体 CN Regular" panose="020B0500000000000000" charset="-122"/>
                 <a:cs typeface="思源黑体 CN Regular" panose="020B0500000000000000" charset="-122"/>
-                <a:sym typeface="Arial" panose="020B0604020202020204" pitchFamily="34" charset="0"/>
+                <a:sym typeface="Arial" panose="020B0604020202090204" pitchFamily="34" charset="0"/>
               </a:rPr>
               <a:t>完善个人信息</a:t>
             </a:r>
@@ -8814,35 +8769,11 @@
               <a:latin typeface="思源黑体 CN Regular" panose="020B0500000000000000" charset="-122"/>
               <a:ea typeface="思源黑体 CN Regular" panose="020B0500000000000000" charset="-122"/>
               <a:cs typeface="思源黑体 CN Regular" panose="020B0500000000000000" charset="-122"/>
-              <a:sym typeface="Arial" panose="020B0604020202020204" pitchFamily="34" charset="0"/>
+              <a:sym typeface="Arial" panose="020B0604020202090204" pitchFamily="34" charset="0"/>
             </a:endParaRPr>
           </a:p>
         </p:txBody>
       </p:sp>
-      <p:pic>
-        <p:nvPicPr>
-          <p:cNvPr id="3" name="图片 2"/>
-          <p:cNvPicPr>
-            <a:picLocks noChangeAspect="1"/>
-          </p:cNvPicPr>
-          <p:nvPr/>
-        </p:nvPicPr>
-        <p:blipFill>
-          <a:blip r:embed="rId1"/>
-          <a:stretch>
-            <a:fillRect/>
-          </a:stretch>
-        </p:blipFill>
-        <p:spPr>
-          <a:xfrm>
-            <a:off x="100330" y="1806575"/>
-            <a:ext cx="2294255" cy="4857750"/>
-          </a:xfrm>
-          <a:prstGeom prst="rect">
-            <a:avLst/>
-          </a:prstGeom>
-        </p:spPr>
-      </p:pic>
       <p:pic>
         <p:nvPicPr>
           <p:cNvPr id="8" name="图片 7"/>
@@ -8852,7 +8783,7 @@
           <p:nvPr/>
         </p:nvPicPr>
         <p:blipFill>
-          <a:blip r:embed="rId2"/>
+          <a:blip r:embed="rId1"/>
           <a:stretch>
             <a:fillRect/>
           </a:stretch>
@@ -8876,7 +8807,7 @@
           <p:nvPr/>
         </p:nvPicPr>
         <p:blipFill>
-          <a:blip r:embed="rId3"/>
+          <a:blip r:embed="rId2"/>
           <a:stretch>
             <a:fillRect/>
           </a:stretch>
@@ -8900,7 +8831,7 @@
           <p:nvPr/>
         </p:nvPicPr>
         <p:blipFill>
-          <a:blip r:embed="rId4"/>
+          <a:blip r:embed="rId3"/>
           <a:stretch>
             <a:fillRect/>
           </a:stretch>
@@ -8924,7 +8855,7 @@
           <p:nvPr/>
         </p:nvPicPr>
         <p:blipFill>
-          <a:blip r:embed="rId5"/>
+          <a:blip r:embed="rId4"/>
           <a:stretch>
             <a:fillRect/>
           </a:stretch>
@@ -8976,7 +8907,7 @@
                 <a:latin typeface="思源黑体 CN Regular" panose="020B0500000000000000" charset="-122"/>
                 <a:ea typeface="思源黑体 CN Regular" panose="020B0500000000000000" charset="-122"/>
                 <a:cs typeface="思源黑体 CN Regular" panose="020B0500000000000000" charset="-122"/>
-                <a:sym typeface="Arial" panose="020B0604020202020204" pitchFamily="34" charset="0"/>
+                <a:sym typeface="Arial" panose="020B0604020202090204" pitchFamily="34" charset="0"/>
               </a:rPr>
               <a:t>发朋友圈在这里</a:t>
             </a:r>
@@ -8987,11 +8918,35 @@
               <a:latin typeface="思源黑体 CN Regular" panose="020B0500000000000000" charset="-122"/>
               <a:ea typeface="思源黑体 CN Regular" panose="020B0500000000000000" charset="-122"/>
               <a:cs typeface="思源黑体 CN Regular" panose="020B0500000000000000" charset="-122"/>
-              <a:sym typeface="Arial" panose="020B0604020202020204" pitchFamily="34" charset="0"/>
+              <a:sym typeface="Arial" panose="020B0604020202090204" pitchFamily="34" charset="0"/>
             </a:endParaRPr>
           </a:p>
         </p:txBody>
       </p:sp>
+      <p:pic>
+        <p:nvPicPr>
+          <p:cNvPr id="6" name="图片 5"/>
+          <p:cNvPicPr>
+            <a:picLocks noChangeAspect="1"/>
+          </p:cNvPicPr>
+          <p:nvPr/>
+        </p:nvPicPr>
+        <p:blipFill>
+          <a:blip r:embed="rId5"/>
+          <a:stretch>
+            <a:fillRect/>
+          </a:stretch>
+        </p:blipFill>
+        <p:spPr>
+          <a:xfrm>
+            <a:off x="288290" y="1704975"/>
+            <a:ext cx="2177415" cy="4471035"/>
+          </a:xfrm>
+          <a:prstGeom prst="rect">
+            <a:avLst/>
+          </a:prstGeom>
+        </p:spPr>
+      </p:pic>
     </p:spTree>
     <p:custDataLst>
       <p:tags r:id="rId6"/>
@@ -9259,7 +9214,7 @@
                 <a:latin typeface="思源黑体 CN Regular" panose="020B0500000000000000" charset="-122"/>
                 <a:ea typeface="思源黑体 CN Regular" panose="020B0500000000000000" charset="-122"/>
                 <a:cs typeface="思源黑体 CN Regular" panose="020B0500000000000000" charset="-122"/>
-                <a:sym typeface="Arial" panose="020B0604020202020204" pitchFamily="34" charset="0"/>
+                <a:sym typeface="Arial" panose="020B0604020202090204" pitchFamily="34" charset="0"/>
               </a:rPr>
               <a:t>添加客户</a:t>
             </a:r>
@@ -9271,7 +9226,7 @@
                 <a:latin typeface="思源黑体 CN Regular" panose="020B0500000000000000" charset="-122"/>
                 <a:ea typeface="思源黑体 CN Regular" panose="020B0500000000000000" charset="-122"/>
                 <a:cs typeface="思源黑体 CN Regular" panose="020B0500000000000000" charset="-122"/>
-                <a:sym typeface="Arial" panose="020B0604020202020204" pitchFamily="34" charset="0"/>
+                <a:sym typeface="Arial" panose="020B0604020202090204" pitchFamily="34" charset="0"/>
               </a:rPr>
               <a:t>-</a:t>
             </a:r>
@@ -9283,7 +9238,7 @@
                 <a:latin typeface="思源黑体 CN Regular" panose="020B0500000000000000" charset="-122"/>
                 <a:ea typeface="思源黑体 CN Regular" panose="020B0500000000000000" charset="-122"/>
                 <a:cs typeface="思源黑体 CN Regular" panose="020B0500000000000000" charset="-122"/>
-                <a:sym typeface="Arial" panose="020B0604020202020204" pitchFamily="34" charset="0"/>
+                <a:sym typeface="Arial" panose="020B0604020202090204" pitchFamily="34" charset="0"/>
               </a:rPr>
               <a:t>加绑定企业微信的微信上现有的好友</a:t>
             </a:r>
@@ -9294,7 +9249,7 @@
               <a:latin typeface="思源黑体 CN Regular" panose="020B0500000000000000" charset="-122"/>
               <a:ea typeface="思源黑体 CN Regular" panose="020B0500000000000000" charset="-122"/>
               <a:cs typeface="思源黑体 CN Regular" panose="020B0500000000000000" charset="-122"/>
-              <a:sym typeface="Arial" panose="020B0604020202020204" pitchFamily="34" charset="0"/>
+              <a:sym typeface="Arial" panose="020B0604020202090204" pitchFamily="34" charset="0"/>
             </a:endParaRPr>
           </a:p>
         </p:txBody>
@@ -9349,7 +9304,7 @@
       </p:pic>
       <p:pic>
         <p:nvPicPr>
-          <p:cNvPr id="13" name="图片 12"/>
+          <p:cNvPr id="3" name="图片 2"/>
           <p:cNvPicPr>
             <a:picLocks noChangeAspect="1"/>
           </p:cNvPicPr>
@@ -9363,8 +9318,8 @@
         </p:blipFill>
         <p:spPr>
           <a:xfrm>
-            <a:off x="7437755" y="1704975"/>
-            <a:ext cx="4533900" cy="4095750"/>
+            <a:off x="7884160" y="1704975"/>
+            <a:ext cx="4396105" cy="4062095"/>
           </a:xfrm>
           <a:prstGeom prst="rect">
             <a:avLst/>
@@ -9638,7 +9593,7 @@
                 <a:latin typeface="思源黑体 CN Regular" panose="020B0500000000000000" charset="-122"/>
                 <a:ea typeface="思源黑体 CN Regular" panose="020B0500000000000000" charset="-122"/>
                 <a:cs typeface="思源黑体 CN Regular" panose="020B0500000000000000" charset="-122"/>
-                <a:sym typeface="Arial" panose="020B0604020202020204" pitchFamily="34" charset="0"/>
+                <a:sym typeface="Arial" panose="020B0604020202090204" pitchFamily="34" charset="0"/>
               </a:rPr>
               <a:t>通过好友</a:t>
             </a:r>
@@ -9650,7 +9605,7 @@
                 <a:latin typeface="思源黑体 CN Regular" panose="020B0500000000000000" charset="-122"/>
                 <a:ea typeface="思源黑体 CN Regular" panose="020B0500000000000000" charset="-122"/>
                 <a:cs typeface="思源黑体 CN Regular" panose="020B0500000000000000" charset="-122"/>
-                <a:sym typeface="Arial" panose="020B0604020202020204" pitchFamily="34" charset="0"/>
+                <a:sym typeface="Arial" panose="020B0604020202090204" pitchFamily="34" charset="0"/>
               </a:rPr>
               <a:t>-</a:t>
             </a:r>
@@ -9662,7 +9617,7 @@
                 <a:latin typeface="思源黑体 CN Regular" panose="020B0500000000000000" charset="-122"/>
                 <a:ea typeface="思源黑体 CN Regular" panose="020B0500000000000000" charset="-122"/>
                 <a:cs typeface="思源黑体 CN Regular" panose="020B0500000000000000" charset="-122"/>
-                <a:sym typeface="Arial" panose="020B0604020202020204" pitchFamily="34" charset="0"/>
+                <a:sym typeface="Arial" panose="020B0604020202090204" pitchFamily="34" charset="0"/>
               </a:rPr>
               <a:t>在引流的时候，客户申请添加我们的时候，</a:t>
             </a:r>
@@ -9673,7 +9628,7 @@
               <a:latin typeface="思源黑体 CN Regular" panose="020B0500000000000000" charset="-122"/>
               <a:ea typeface="思源黑体 CN Regular" panose="020B0500000000000000" charset="-122"/>
               <a:cs typeface="思源黑体 CN Regular" panose="020B0500000000000000" charset="-122"/>
-              <a:sym typeface="Arial" panose="020B0604020202020204" pitchFamily="34" charset="0"/>
+              <a:sym typeface="Arial" panose="020B0604020202090204" pitchFamily="34" charset="0"/>
             </a:endParaRPr>
           </a:p>
           <a:p>
@@ -9693,7 +9648,7 @@
                 <a:latin typeface="思源黑体 CN Regular" panose="020B0500000000000000" charset="-122"/>
                 <a:ea typeface="思源黑体 CN Regular" panose="020B0500000000000000" charset="-122"/>
                 <a:cs typeface="思源黑体 CN Regular" panose="020B0500000000000000" charset="-122"/>
-                <a:sym typeface="Arial" panose="020B0604020202020204" pitchFamily="34" charset="0"/>
+                <a:sym typeface="Arial" panose="020B0604020202090204" pitchFamily="34" charset="0"/>
               </a:rPr>
               <a:t>通过时可以点下方的</a:t>
             </a:r>
@@ -9705,7 +9660,7 @@
                 <a:latin typeface="思源黑体 CN Regular" panose="020B0500000000000000" charset="-122"/>
                 <a:ea typeface="思源黑体 CN Regular" panose="020B0500000000000000" charset="-122"/>
                 <a:cs typeface="思源黑体 CN Regular" panose="020B0500000000000000" charset="-122"/>
-                <a:sym typeface="Arial" panose="020B0604020202020204" pitchFamily="34" charset="0"/>
+                <a:sym typeface="Arial" panose="020B0604020202090204" pitchFamily="34" charset="0"/>
               </a:rPr>
               <a:t>去企业微信添加对方</a:t>
             </a:r>
@@ -9717,7 +9672,7 @@
                 <a:latin typeface="思源黑体 CN Regular" panose="020B0500000000000000" charset="-122"/>
                 <a:ea typeface="思源黑体 CN Regular" panose="020B0500000000000000" charset="-122"/>
                 <a:cs typeface="思源黑体 CN Regular" panose="020B0500000000000000" charset="-122"/>
-                <a:sym typeface="Arial" panose="020B0604020202020204" pitchFamily="34" charset="0"/>
+                <a:sym typeface="Arial" panose="020B0604020202090204" pitchFamily="34" charset="0"/>
               </a:rPr>
               <a:t>，</a:t>
             </a:r>
@@ -9728,7 +9683,7 @@
               <a:latin typeface="思源黑体 CN Regular" panose="020B0500000000000000" charset="-122"/>
               <a:ea typeface="思源黑体 CN Regular" panose="020B0500000000000000" charset="-122"/>
               <a:cs typeface="思源黑体 CN Regular" panose="020B0500000000000000" charset="-122"/>
-              <a:sym typeface="Arial" panose="020B0604020202020204" pitchFamily="34" charset="0"/>
+              <a:sym typeface="Arial" panose="020B0604020202090204" pitchFamily="34" charset="0"/>
             </a:endParaRPr>
           </a:p>
           <a:p>
@@ -9748,7 +9703,7 @@
                 <a:latin typeface="思源黑体 CN Regular" panose="020B0500000000000000" charset="-122"/>
                 <a:ea typeface="思源黑体 CN Regular" panose="020B0500000000000000" charset="-122"/>
                 <a:cs typeface="思源黑体 CN Regular" panose="020B0500000000000000" charset="-122"/>
-                <a:sym typeface="Arial" panose="020B0604020202020204" pitchFamily="34" charset="0"/>
+                <a:sym typeface="Arial" panose="020B0604020202090204" pitchFamily="34" charset="0"/>
               </a:rPr>
               <a:t>那我们的企业微信就加上了客户</a:t>
             </a:r>
@@ -9759,7 +9714,7 @@
               <a:latin typeface="思源黑体 CN Regular" panose="020B0500000000000000" charset="-122"/>
               <a:ea typeface="思源黑体 CN Regular" panose="020B0500000000000000" charset="-122"/>
               <a:cs typeface="思源黑体 CN Regular" panose="020B0500000000000000" charset="-122"/>
-              <a:sym typeface="Arial" panose="020B0604020202020204" pitchFamily="34" charset="0"/>
+              <a:sym typeface="Arial" panose="020B0604020202090204" pitchFamily="34" charset="0"/>
             </a:endParaRPr>
           </a:p>
         </p:txBody>
@@ -9790,7 +9745,7 @@
       </p:pic>
       <p:pic>
         <p:nvPicPr>
-          <p:cNvPr id="8" name="图片 7"/>
+          <p:cNvPr id="6" name="图片 5"/>
           <p:cNvPicPr>
             <a:picLocks noChangeAspect="1"/>
           </p:cNvPicPr>
@@ -9804,8 +9759,8 @@
         </p:blipFill>
         <p:spPr>
           <a:xfrm>
-            <a:off x="8716645" y="1846580"/>
-            <a:ext cx="2378075" cy="4397375"/>
+            <a:off x="8736330" y="1806575"/>
+            <a:ext cx="2368550" cy="4436745"/>
           </a:xfrm>
           <a:prstGeom prst="rect">
             <a:avLst/>
@@ -10079,7 +10034,7 @@
                 <a:latin typeface="思源黑体 CN Regular" panose="020B0500000000000000" charset="-122"/>
                 <a:ea typeface="思源黑体 CN Regular" panose="020B0500000000000000" charset="-122"/>
                 <a:cs typeface="思源黑体 CN Regular" panose="020B0500000000000000" charset="-122"/>
-                <a:sym typeface="Arial" panose="020B0604020202020204" pitchFamily="34" charset="0"/>
+                <a:sym typeface="Arial" panose="020B0604020202090204" pitchFamily="34" charset="0"/>
               </a:rPr>
               <a:t>添加客户</a:t>
             </a:r>
@@ -10091,7 +10046,7 @@
                 <a:latin typeface="思源黑体 CN Regular" panose="020B0500000000000000" charset="-122"/>
                 <a:ea typeface="思源黑体 CN Regular" panose="020B0500000000000000" charset="-122"/>
                 <a:cs typeface="思源黑体 CN Regular" panose="020B0500000000000000" charset="-122"/>
-                <a:sym typeface="Arial" panose="020B0604020202020204" pitchFamily="34" charset="0"/>
+                <a:sym typeface="Arial" panose="020B0604020202090204" pitchFamily="34" charset="0"/>
               </a:rPr>
               <a:t>-</a:t>
             </a:r>
@@ -10103,7 +10058,7 @@
                 <a:latin typeface="思源黑体 CN Regular" panose="020B0500000000000000" charset="-122"/>
                 <a:ea typeface="思源黑体 CN Regular" panose="020B0500000000000000" charset="-122"/>
                 <a:cs typeface="思源黑体 CN Regular" panose="020B0500000000000000" charset="-122"/>
-                <a:sym typeface="Arial" panose="020B0604020202020204" pitchFamily="34" charset="0"/>
+                <a:sym typeface="Arial" panose="020B0604020202090204" pitchFamily="34" charset="0"/>
               </a:rPr>
               <a:t>加绑定企业微信的微信上现有的好友</a:t>
             </a:r>
@@ -10115,7 +10070,7 @@
                 <a:latin typeface="思源黑体 CN Regular" panose="020B0500000000000000" charset="-122"/>
                 <a:ea typeface="思源黑体 CN Regular" panose="020B0500000000000000" charset="-122"/>
                 <a:cs typeface="思源黑体 CN Regular" panose="020B0500000000000000" charset="-122"/>
-                <a:sym typeface="Arial" panose="020B0604020202020204" pitchFamily="34" charset="0"/>
+                <a:sym typeface="Arial" panose="020B0604020202090204" pitchFamily="34" charset="0"/>
               </a:rPr>
               <a:t>-</a:t>
             </a:r>
@@ -10127,7 +10082,7 @@
                 <a:latin typeface="思源黑体 CN Regular" panose="020B0500000000000000" charset="-122"/>
                 <a:ea typeface="思源黑体 CN Regular" panose="020B0500000000000000" charset="-122"/>
                 <a:cs typeface="思源黑体 CN Regular" panose="020B0500000000000000" charset="-122"/>
-                <a:sym typeface="Arial" panose="020B0604020202020204" pitchFamily="34" charset="0"/>
+                <a:sym typeface="Arial" panose="020B0604020202090204" pitchFamily="34" charset="0"/>
               </a:rPr>
               <a:t>电脑</a:t>
             </a:r>
@@ -10138,59 +10093,11 @@
               <a:latin typeface="思源黑体 CN Regular" panose="020B0500000000000000" charset="-122"/>
               <a:ea typeface="思源黑体 CN Regular" panose="020B0500000000000000" charset="-122"/>
               <a:cs typeface="思源黑体 CN Regular" panose="020B0500000000000000" charset="-122"/>
-              <a:sym typeface="Arial" panose="020B0604020202020204" pitchFamily="34" charset="0"/>
+              <a:sym typeface="Arial" panose="020B0604020202090204" pitchFamily="34" charset="0"/>
             </a:endParaRPr>
           </a:p>
         </p:txBody>
       </p:sp>
-      <p:pic>
-        <p:nvPicPr>
-          <p:cNvPr id="3" name="图片 2"/>
-          <p:cNvPicPr>
-            <a:picLocks noChangeAspect="1"/>
-          </p:cNvPicPr>
-          <p:nvPr/>
-        </p:nvPicPr>
-        <p:blipFill>
-          <a:blip r:embed="rId1"/>
-          <a:stretch>
-            <a:fillRect/>
-          </a:stretch>
-        </p:blipFill>
-        <p:spPr>
-          <a:xfrm>
-            <a:off x="245745" y="1809750"/>
-            <a:ext cx="6193155" cy="2308860"/>
-          </a:xfrm>
-          <a:prstGeom prst="rect">
-            <a:avLst/>
-          </a:prstGeom>
-        </p:spPr>
-      </p:pic>
-      <p:pic>
-        <p:nvPicPr>
-          <p:cNvPr id="8" name="图片 7"/>
-          <p:cNvPicPr>
-            <a:picLocks noChangeAspect="1"/>
-          </p:cNvPicPr>
-          <p:nvPr/>
-        </p:nvPicPr>
-        <p:blipFill>
-          <a:blip r:embed="rId2"/>
-          <a:stretch>
-            <a:fillRect/>
-          </a:stretch>
-        </p:blipFill>
-        <p:spPr>
-          <a:xfrm>
-            <a:off x="6950075" y="1359535"/>
-            <a:ext cx="4012565" cy="3853815"/>
-          </a:xfrm>
-          <a:prstGeom prst="rect">
-            <a:avLst/>
-          </a:prstGeom>
-        </p:spPr>
-      </p:pic>
       <p:sp>
         <p:nvSpPr>
           <p:cNvPr id="9" name="文本框 8"/>
@@ -10228,7 +10135,7 @@
                 <a:latin typeface="思源黑体 CN Regular" panose="020B0500000000000000" charset="-122"/>
                 <a:ea typeface="思源黑体 CN Regular" panose="020B0500000000000000" charset="-122"/>
                 <a:cs typeface="思源黑体 CN Regular" panose="020B0500000000000000" charset="-122"/>
-                <a:sym typeface="Arial" panose="020B0604020202020204" pitchFamily="34" charset="0"/>
+                <a:sym typeface="Arial" panose="020B0604020202090204" pitchFamily="34" charset="0"/>
               </a:rPr>
               <a:t>备注客户信息和昵称</a:t>
             </a:r>
@@ -10239,11 +10146,59 @@
               <a:latin typeface="思源黑体 CN Regular" panose="020B0500000000000000" charset="-122"/>
               <a:ea typeface="思源黑体 CN Regular" panose="020B0500000000000000" charset="-122"/>
               <a:cs typeface="思源黑体 CN Regular" panose="020B0500000000000000" charset="-122"/>
-              <a:sym typeface="Arial" panose="020B0604020202020204" pitchFamily="34" charset="0"/>
+              <a:sym typeface="Arial" panose="020B0604020202090204" pitchFamily="34" charset="0"/>
             </a:endParaRPr>
           </a:p>
         </p:txBody>
       </p:sp>
+      <p:pic>
+        <p:nvPicPr>
+          <p:cNvPr id="6" name="图片 5"/>
+          <p:cNvPicPr>
+            <a:picLocks noChangeAspect="1"/>
+          </p:cNvPicPr>
+          <p:nvPr/>
+        </p:nvPicPr>
+        <p:blipFill>
+          <a:blip r:embed="rId1"/>
+          <a:stretch>
+            <a:fillRect/>
+          </a:stretch>
+        </p:blipFill>
+        <p:spPr>
+          <a:xfrm>
+            <a:off x="592455" y="2037080"/>
+            <a:ext cx="5671185" cy="2137410"/>
+          </a:xfrm>
+          <a:prstGeom prst="rect">
+            <a:avLst/>
+          </a:prstGeom>
+        </p:spPr>
+      </p:pic>
+      <p:pic>
+        <p:nvPicPr>
+          <p:cNvPr id="7" name="图片 6"/>
+          <p:cNvPicPr>
+            <a:picLocks noChangeAspect="1"/>
+          </p:cNvPicPr>
+          <p:nvPr/>
+        </p:nvPicPr>
+        <p:blipFill>
+          <a:blip r:embed="rId2"/>
+          <a:stretch>
+            <a:fillRect/>
+          </a:stretch>
+        </p:blipFill>
+        <p:spPr>
+          <a:xfrm>
+            <a:off x="7078980" y="1704975"/>
+            <a:ext cx="4153535" cy="4714875"/>
+          </a:xfrm>
+          <a:prstGeom prst="rect">
+            <a:avLst/>
+          </a:prstGeom>
+        </p:spPr>
+      </p:pic>
     </p:spTree>
     <p:custDataLst>
       <p:tags r:id="rId3"/>
@@ -10511,7 +10466,7 @@
                 <a:latin typeface="思源黑体 CN Regular" panose="020B0500000000000000" charset="-122"/>
                 <a:ea typeface="思源黑体 CN Regular" panose="020B0500000000000000" charset="-122"/>
                 <a:cs typeface="思源黑体 CN Regular" panose="020B0500000000000000" charset="-122"/>
-                <a:sym typeface="Arial" panose="020B0604020202020204" pitchFamily="34" charset="0"/>
+                <a:sym typeface="Arial" panose="020B0604020202090204" pitchFamily="34" charset="0"/>
               </a:rPr>
               <a:t>新建客户群</a:t>
             </a:r>
@@ -10523,7 +10478,7 @@
                 <a:latin typeface="思源黑体 CN Regular" panose="020B0500000000000000" charset="-122"/>
                 <a:ea typeface="思源黑体 CN Regular" panose="020B0500000000000000" charset="-122"/>
                 <a:cs typeface="思源黑体 CN Regular" panose="020B0500000000000000" charset="-122"/>
-                <a:sym typeface="Arial" panose="020B0604020202020204" pitchFamily="34" charset="0"/>
+                <a:sym typeface="Arial" panose="020B0604020202090204" pitchFamily="34" charset="0"/>
               </a:rPr>
               <a:t>-</a:t>
             </a:r>
@@ -10535,7 +10490,7 @@
                 <a:latin typeface="思源黑体 CN Regular" panose="020B0500000000000000" charset="-122"/>
                 <a:ea typeface="思源黑体 CN Regular" panose="020B0500000000000000" charset="-122"/>
                 <a:cs typeface="思源黑体 CN Regular" panose="020B0500000000000000" charset="-122"/>
-                <a:sym typeface="Arial" panose="020B0604020202020204" pitchFamily="34" charset="0"/>
+                <a:sym typeface="Arial" panose="020B0604020202090204" pitchFamily="34" charset="0"/>
               </a:rPr>
               <a:t>并且拉客户进群</a:t>
             </a:r>
@@ -10546,7 +10501,7 @@
               <a:latin typeface="思源黑体 CN Regular" panose="020B0500000000000000" charset="-122"/>
               <a:ea typeface="思源黑体 CN Regular" panose="020B0500000000000000" charset="-122"/>
               <a:cs typeface="思源黑体 CN Regular" panose="020B0500000000000000" charset="-122"/>
-              <a:sym typeface="Arial" panose="020B0604020202020204" pitchFamily="34" charset="0"/>
+              <a:sym typeface="Arial" panose="020B0604020202090204" pitchFamily="34" charset="0"/>
             </a:endParaRPr>
           </a:p>
         </p:txBody>
@@ -10660,7 +10615,7 @@
                 <a:latin typeface="思源黑体 CN Regular" panose="020B0500000000000000" charset="-122"/>
                 <a:ea typeface="思源黑体 CN Regular" panose="020B0500000000000000" charset="-122"/>
                 <a:cs typeface="思源黑体 CN Regular" panose="020B0500000000000000" charset="-122"/>
-                <a:sym typeface="Arial" panose="020B0604020202020204" pitchFamily="34" charset="0"/>
+                <a:sym typeface="Arial" panose="020B0604020202090204" pitchFamily="34" charset="0"/>
               </a:rPr>
               <a:t>显示外部的</a:t>
             </a:r>
@@ -10671,7 +10626,7 @@
               <a:latin typeface="思源黑体 CN Regular" panose="020B0500000000000000" charset="-122"/>
               <a:ea typeface="思源黑体 CN Regular" panose="020B0500000000000000" charset="-122"/>
               <a:cs typeface="思源黑体 CN Regular" panose="020B0500000000000000" charset="-122"/>
-              <a:sym typeface="Arial" panose="020B0604020202020204" pitchFamily="34" charset="0"/>
+              <a:sym typeface="Arial" panose="020B0604020202090204" pitchFamily="34" charset="0"/>
             </a:endParaRPr>
           </a:p>
           <a:p>
@@ -10691,21 +10646,9 @@
                 <a:latin typeface="思源黑体 CN Regular" panose="020B0500000000000000" charset="-122"/>
                 <a:ea typeface="思源黑体 CN Regular" panose="020B0500000000000000" charset="-122"/>
                 <a:cs typeface="思源黑体 CN Regular" panose="020B0500000000000000" charset="-122"/>
-                <a:sym typeface="Arial" panose="020B0604020202020204" pitchFamily="34" charset="0"/>
+                <a:sym typeface="Arial" panose="020B0604020202090204" pitchFamily="34" charset="0"/>
               </a:rPr>
-              <a:t>说明是客户群，普通微信可以拉</a:t>
-            </a:r>
-            <a:r>
-              <a:rPr lang="zh-CN" altLang="en-US">
-                <a:solidFill>
-                  <a:srgbClr val="243547"/>
-                </a:solidFill>
-                <a:latin typeface="思源黑体 CN Regular" panose="020B0500000000000000" charset="-122"/>
-                <a:ea typeface="思源黑体 CN Regular" panose="020B0500000000000000" charset="-122"/>
-                <a:cs typeface="思源黑体 CN Regular" panose="020B0500000000000000" charset="-122"/>
-                <a:sym typeface="Arial" panose="020B0604020202020204" pitchFamily="34" charset="0"/>
-              </a:rPr>
-              <a:t>进群</a:t>
+              <a:t>说明是客户群，普通微信可以拉进群</a:t>
             </a:r>
             <a:endParaRPr lang="zh-CN" altLang="en-US">
               <a:solidFill>
@@ -10714,7 +10657,7 @@
               <a:latin typeface="思源黑体 CN Regular" panose="020B0500000000000000" charset="-122"/>
               <a:ea typeface="思源黑体 CN Regular" panose="020B0500000000000000" charset="-122"/>
               <a:cs typeface="思源黑体 CN Regular" panose="020B0500000000000000" charset="-122"/>
-              <a:sym typeface="Arial" panose="020B0604020202020204" pitchFamily="34" charset="0"/>
+              <a:sym typeface="Arial" panose="020B0604020202090204" pitchFamily="34" charset="0"/>
             </a:endParaRPr>
           </a:p>
         </p:txBody>
@@ -11134,60 +11077,6 @@
               </a:ln>
               <a:solidFill>
                 <a:schemeClr val="bg2"/>
-              </a:solidFill>
-              <a:latin typeface="思源黑体 CN Regular" panose="020B0500000000000000" charset="-122"/>
-              <a:ea typeface="思源黑体 CN Regular" panose="020B0500000000000000" charset="-122"/>
-              <a:cs typeface="思源黑体 CN Regular" panose="020B0500000000000000" charset="-122"/>
-            </a:endParaRPr>
-          </a:p>
-        </p:txBody>
-      </p:sp>
-      <p:sp>
-        <p:nvSpPr>
-          <p:cNvPr id="14" name="文本框 13"/>
-          <p:cNvSpPr txBox="1"/>
-          <p:nvPr/>
-        </p:nvSpPr>
-        <p:spPr>
-          <a:xfrm>
-            <a:off x="2257425" y="3150235"/>
-            <a:ext cx="3966845" cy="1106805"/>
-          </a:xfrm>
-          <a:prstGeom prst="rect">
-            <a:avLst/>
-          </a:prstGeom>
-          <a:noFill/>
-        </p:spPr>
-        <p:txBody>
-          <a:bodyPr wrap="square" rtlCol="0">
-            <a:spAutoFit/>
-          </a:bodyPr>
-          <a:p>
-            <a:pPr algn="dist"/>
-            <a:r>
-              <a:rPr lang="zh-CN" altLang="en-US" sz="6600">
-                <a:ln w="47625">
-                  <a:noFill/>
-                </a:ln>
-                <a:solidFill>
-                  <a:schemeClr val="bg2">
-                    <a:alpha val="85000"/>
-                  </a:schemeClr>
-                </a:solidFill>
-                <a:latin typeface="思源黑体 CN Regular" panose="020B0500000000000000" charset="-122"/>
-                <a:ea typeface="思源黑体 CN Regular" panose="020B0500000000000000" charset="-122"/>
-                <a:cs typeface="思源黑体 CN Regular" panose="020B0500000000000000" charset="-122"/>
-              </a:rPr>
-              <a:t>大家爆单</a:t>
-            </a:r>
-            <a:endParaRPr lang="zh-CN" altLang="en-US" sz="6600">
-              <a:ln w="47625">
-                <a:noFill/>
-              </a:ln>
-              <a:solidFill>
-                <a:schemeClr val="bg2">
-                  <a:alpha val="85000"/>
-                </a:schemeClr>
               </a:solidFill>
               <a:latin typeface="思源黑体 CN Regular" panose="020B0500000000000000" charset="-122"/>
               <a:ea typeface="思源黑体 CN Regular" panose="020B0500000000000000" charset="-122"/>
@@ -11366,50 +11255,6 @@
                 <a:schemeClr val="bg1">
                   <a:alpha val="64000"/>
                 </a:schemeClr>
-              </a:solidFill>
-              <a:latin typeface="思源黑体 CN Regular" panose="020B0500000000000000" charset="-122"/>
-              <a:ea typeface="思源黑体 CN Regular" panose="020B0500000000000000" charset="-122"/>
-              <a:cs typeface="思源黑体 CN Regular" panose="020B0500000000000000" charset="-122"/>
-            </a:endParaRPr>
-          </a:p>
-        </p:txBody>
-      </p:sp>
-      <p:sp>
-        <p:nvSpPr>
-          <p:cNvPr id="18" name="文本框 17"/>
-          <p:cNvSpPr txBox="1"/>
-          <p:nvPr/>
-        </p:nvSpPr>
-        <p:spPr>
-          <a:xfrm>
-            <a:off x="2344420" y="4225925"/>
-            <a:ext cx="1657350" cy="368300"/>
-          </a:xfrm>
-          <a:prstGeom prst="rect">
-            <a:avLst/>
-          </a:prstGeom>
-          <a:noFill/>
-        </p:spPr>
-        <p:txBody>
-          <a:bodyPr wrap="square" rtlCol="0">
-            <a:spAutoFit/>
-          </a:bodyPr>
-          <a:p>
-            <a:pPr algn="dist"/>
-            <a:r>
-              <a:rPr lang="zh-CN" altLang="en-US" b="1">
-                <a:solidFill>
-                  <a:schemeClr val="bg1"/>
-                </a:solidFill>
-                <a:latin typeface="思源黑体 CN Regular" panose="020B0500000000000000" charset="-122"/>
-                <a:ea typeface="思源黑体 CN Regular" panose="020B0500000000000000" charset="-122"/>
-                <a:cs typeface="思源黑体 CN Regular" panose="020B0500000000000000" charset="-122"/>
-              </a:rPr>
-              <a:t>廖建友</a:t>
-            </a:r>
-            <a:endParaRPr lang="zh-CN" altLang="en-US" b="1">
-              <a:solidFill>
-                <a:schemeClr val="bg1"/>
               </a:solidFill>
               <a:latin typeface="思源黑体 CN Regular" panose="020B0500000000000000" charset="-122"/>
               <a:ea typeface="思源黑体 CN Regular" panose="020B0500000000000000" charset="-122"/>
@@ -11745,7 +11590,7 @@
                                 </p:cTn>
                               </p:par>
                               <p:par>
-                                <p:cTn id="8" presetID="3" presetClass="entr" presetSubtype="10" fill="hold" grpId="0" nodeType="withEffect">
+                                <p:cTn id="8" presetID="42" presetClass="entr" presetSubtype="0" fill="hold" grpId="0" nodeType="withEffect">
                                   <p:stCondLst>
                                     <p:cond delay="0"/>
                                   </p:stCondLst>
@@ -11753,41 +11598,6 @@
                                     <p:set>
                                       <p:cBhvr>
                                         <p:cTn id="9" dur="1" fill="hold">
-                                          <p:stCondLst>
-                                            <p:cond delay="0"/>
-                                          </p:stCondLst>
-                                        </p:cTn>
-                                        <p:tgtEl>
-                                          <p:spTgt spid="14"/>
-                                        </p:tgtEl>
-                                        <p:attrNameLst>
-                                          <p:attrName>style.visibility</p:attrName>
-                                        </p:attrNameLst>
-                                      </p:cBhvr>
-                                      <p:to>
-                                        <p:strVal val="visible"/>
-                                      </p:to>
-                                    </p:set>
-                                    <p:animEffect transition="in" filter="blinds(horizontal)">
-                                      <p:cBhvr>
-                                        <p:cTn id="10" dur="500"/>
-                                        <p:tgtEl>
-                                          <p:spTgt spid="14"/>
-                                        </p:tgtEl>
-                                      </p:cBhvr>
-                                    </p:animEffect>
-                                  </p:childTnLst>
-                                </p:cTn>
-                              </p:par>
-                              <p:par>
-                                <p:cTn id="11" presetID="42" presetClass="entr" presetSubtype="0" fill="hold" grpId="0" nodeType="withEffect">
-                                  <p:stCondLst>
-                                    <p:cond delay="0"/>
-                                  </p:stCondLst>
-                                  <p:childTnLst>
-                                    <p:set>
-                                      <p:cBhvr>
-                                        <p:cTn id="12" dur="1" fill="hold">
                                           <p:stCondLst>
                                             <p:cond delay="0"/>
                                           </p:stCondLst>
@@ -11805,7 +11615,7 @@
                                     </p:set>
                                     <p:animEffect transition="in" filter="fade">
                                       <p:cBhvr>
-                                        <p:cTn id="13" dur="1000"/>
+                                        <p:cTn id="10" dur="1000"/>
                                         <p:tgtEl>
                                           <p:spTgt spid="33"/>
                                         </p:tgtEl>
@@ -11813,7 +11623,7 @@
                                     </p:animEffect>
                                     <p:anim calcmode="lin" valueType="num">
                                       <p:cBhvr>
-                                        <p:cTn id="14" dur="1000" fill="hold"/>
+                                        <p:cTn id="11" dur="1000" fill="hold"/>
                                         <p:tgtEl>
                                           <p:spTgt spid="33"/>
                                         </p:tgtEl>
@@ -11836,7 +11646,7 @@
                                     </p:anim>
                                     <p:anim calcmode="lin" valueType="num">
                                       <p:cBhvr>
-                                        <p:cTn id="15" dur="1000" fill="hold"/>
+                                        <p:cTn id="12" dur="1000" fill="hold"/>
                                         <p:tgtEl>
                                           <p:spTgt spid="33"/>
                                         </p:tgtEl>
@@ -11861,14 +11671,14 @@
                                 </p:cTn>
                               </p:par>
                               <p:par>
-                                <p:cTn id="16" presetID="47" presetClass="entr" presetSubtype="0" fill="hold" grpId="0" nodeType="withEffect">
+                                <p:cTn id="13" presetID="47" presetClass="entr" presetSubtype="0" fill="hold" grpId="0" nodeType="withEffect">
                                   <p:stCondLst>
                                     <p:cond delay="0"/>
                                   </p:stCondLst>
                                   <p:childTnLst>
                                     <p:set>
                                       <p:cBhvr>
-                                        <p:cTn id="17" dur="1" fill="hold">
+                                        <p:cTn id="14" dur="1" fill="hold">
                                           <p:stCondLst>
                                             <p:cond delay="0"/>
                                           </p:stCondLst>
@@ -11886,7 +11696,7 @@
                                     </p:set>
                                     <p:animEffect transition="in" filter="fade">
                                       <p:cBhvr>
-                                        <p:cTn id="18" dur="1000"/>
+                                        <p:cTn id="15" dur="1000"/>
                                         <p:tgtEl>
                                           <p:spTgt spid="16"/>
                                         </p:tgtEl>
@@ -11894,7 +11704,7 @@
                                     </p:animEffect>
                                     <p:anim calcmode="lin" valueType="num">
                                       <p:cBhvr>
-                                        <p:cTn id="19" dur="1000" fill="hold"/>
+                                        <p:cTn id="16" dur="1000" fill="hold"/>
                                         <p:tgtEl>
                                           <p:spTgt spid="16"/>
                                         </p:tgtEl>
@@ -11917,7 +11727,7 @@
                                     </p:anim>
                                     <p:anim calcmode="lin" valueType="num">
                                       <p:cBhvr>
-                                        <p:cTn id="20" dur="1000" fill="hold"/>
+                                        <p:cTn id="17" dur="1000" fill="hold"/>
                                         <p:tgtEl>
                                           <p:spTgt spid="16"/>
                                         </p:tgtEl>
@@ -11942,14 +11752,14 @@
                                 </p:cTn>
                               </p:par>
                               <p:par>
-                                <p:cTn id="21" presetID="3" presetClass="entr" presetSubtype="10" fill="hold" grpId="0" nodeType="withEffect">
+                                <p:cTn id="18" presetID="3" presetClass="entr" presetSubtype="10" fill="hold" grpId="0" nodeType="withEffect">
                                   <p:stCondLst>
                                     <p:cond delay="0"/>
                                   </p:stCondLst>
                                   <p:childTnLst>
                                     <p:set>
                                       <p:cBhvr>
-                                        <p:cTn id="22" dur="1" fill="hold">
+                                        <p:cTn id="19" dur="1" fill="hold">
                                           <p:stCondLst>
                                             <p:cond delay="0"/>
                                           </p:stCondLst>
@@ -11967,7 +11777,7 @@
                                     </p:set>
                                     <p:animEffect transition="in" filter="blinds(horizontal)">
                                       <p:cBhvr>
-                                        <p:cTn id="23" dur="500"/>
+                                        <p:cTn id="20" dur="500"/>
                                         <p:tgtEl>
                                           <p:spTgt spid="10"/>
                                         </p:tgtEl>
@@ -11976,59 +11786,15 @@
                                   </p:childTnLst>
                                 </p:cTn>
                               </p:par>
-                            </p:childTnLst>
-                          </p:cTn>
-                        </p:par>
-                        <p:par>
-                          <p:cTn id="24" fill="hold">
-                            <p:stCondLst>
-                              <p:cond delay="500"/>
-                            </p:stCondLst>
-                            <p:childTnLst>
                               <p:par>
-                                <p:cTn id="25" presetID="16" presetClass="entr" presetSubtype="21" fill="hold" grpId="0" nodeType="afterEffect">
+                                <p:cTn id="21" presetID="47" presetClass="entr" presetSubtype="0" fill="hold" grpId="0" nodeType="withEffect">
                                   <p:stCondLst>
                                     <p:cond delay="0"/>
                                   </p:stCondLst>
                                   <p:childTnLst>
                                     <p:set>
                                       <p:cBhvr>
-                                        <p:cTn id="26" dur="1000" fill="hold">
-                                          <p:stCondLst>
-                                            <p:cond delay="0"/>
-                                          </p:stCondLst>
-                                        </p:cTn>
-                                        <p:tgtEl>
-                                          <p:spTgt spid="18"/>
-                                        </p:tgtEl>
-                                        <p:attrNameLst>
-                                          <p:attrName>style.visibility</p:attrName>
-                                        </p:attrNameLst>
-                                      </p:cBhvr>
-                                      <p:to>
-                                        <p:strVal val="visible"/>
-                                      </p:to>
-                                    </p:set>
-                                    <p:animEffect transition="in" filter="barn(inVertical)">
-                                      <p:cBhvr>
-                                        <p:cTn id="27" dur="1000"/>
-                                        <p:tgtEl>
-                                          <p:spTgt spid="18"/>
-                                        </p:tgtEl>
-                                      </p:cBhvr>
-                                    </p:animEffect>
-                                  </p:childTnLst>
-                                </p:cTn>
-                              </p:par>
-                              <p:par>
-                                <p:cTn id="28" presetID="47" presetClass="entr" presetSubtype="0" fill="hold" grpId="0" nodeType="withEffect">
-                                  <p:stCondLst>
-                                    <p:cond delay="0"/>
-                                  </p:stCondLst>
-                                  <p:childTnLst>
-                                    <p:set>
-                                      <p:cBhvr>
-                                        <p:cTn id="29" dur="1" fill="hold">
+                                        <p:cTn id="22" dur="1" fill="hold">
                                           <p:stCondLst>
                                             <p:cond delay="0"/>
                                           </p:stCondLst>
@@ -12046,7 +11812,7 @@
                                     </p:set>
                                     <p:animEffect transition="in" filter="fade">
                                       <p:cBhvr>
-                                        <p:cTn id="30" dur="1000"/>
+                                        <p:cTn id="23" dur="1000"/>
                                         <p:tgtEl>
                                           <p:spTgt spid="28"/>
                                         </p:tgtEl>
@@ -12054,7 +11820,7 @@
                                     </p:animEffect>
                                     <p:anim calcmode="lin" valueType="num">
                                       <p:cBhvr>
-                                        <p:cTn id="31" dur="1000" fill="hold"/>
+                                        <p:cTn id="24" dur="1000" fill="hold"/>
                                         <p:tgtEl>
                                           <p:spTgt spid="28"/>
                                         </p:tgtEl>
@@ -12077,7 +11843,7 @@
                                     </p:anim>
                                     <p:anim calcmode="lin" valueType="num">
                                       <p:cBhvr>
-                                        <p:cTn id="32" dur="1000" fill="hold"/>
+                                        <p:cTn id="25" dur="1000" fill="hold"/>
                                         <p:tgtEl>
                                           <p:spTgt spid="28"/>
                                         </p:tgtEl>
@@ -12102,14 +11868,14 @@
                                 </p:cTn>
                               </p:par>
                               <p:par>
-                                <p:cTn id="33" presetID="47" presetClass="entr" presetSubtype="0" fill="hold" grpId="0" nodeType="withEffect">
+                                <p:cTn id="26" presetID="47" presetClass="entr" presetSubtype="0" fill="hold" grpId="0" nodeType="withEffect">
                                   <p:stCondLst>
                                     <p:cond delay="0"/>
                                   </p:stCondLst>
                                   <p:childTnLst>
                                     <p:set>
                                       <p:cBhvr>
-                                        <p:cTn id="34" dur="1" fill="hold">
+                                        <p:cTn id="27" dur="1" fill="hold">
                                           <p:stCondLst>
                                             <p:cond delay="0"/>
                                           </p:stCondLst>
@@ -12127,7 +11893,7 @@
                                     </p:set>
                                     <p:animEffect transition="in" filter="fade">
                                       <p:cBhvr>
-                                        <p:cTn id="35" dur="1000"/>
+                                        <p:cTn id="28" dur="1000"/>
                                         <p:tgtEl>
                                           <p:spTgt spid="23"/>
                                         </p:tgtEl>
@@ -12135,7 +11901,7 @@
                                     </p:animEffect>
                                     <p:anim calcmode="lin" valueType="num">
                                       <p:cBhvr>
-                                        <p:cTn id="36" dur="1000" fill="hold"/>
+                                        <p:cTn id="29" dur="1000" fill="hold"/>
                                         <p:tgtEl>
                                           <p:spTgt spid="23"/>
                                         </p:tgtEl>
@@ -12158,7 +11924,7 @@
                                     </p:anim>
                                     <p:anim calcmode="lin" valueType="num">
                                       <p:cBhvr>
-                                        <p:cTn id="37" dur="1000" fill="hold"/>
+                                        <p:cTn id="30" dur="1000" fill="hold"/>
                                         <p:tgtEl>
                                           <p:spTgt spid="23"/>
                                         </p:tgtEl>
@@ -12183,14 +11949,14 @@
                                 </p:cTn>
                               </p:par>
                               <p:par>
-                                <p:cTn id="38" presetID="3" presetClass="entr" presetSubtype="10" fill="hold" nodeType="withEffect">
+                                <p:cTn id="31" presetID="3" presetClass="entr" presetSubtype="10" fill="hold" nodeType="withEffect">
                                   <p:stCondLst>
                                     <p:cond delay="0"/>
                                   </p:stCondLst>
                                   <p:childTnLst>
                                     <p:set>
                                       <p:cBhvr>
-                                        <p:cTn id="39" dur="1" fill="hold">
+                                        <p:cTn id="32" dur="1" fill="hold">
                                           <p:stCondLst>
                                             <p:cond delay="0"/>
                                           </p:stCondLst>
@@ -12208,7 +11974,7 @@
                                     </p:set>
                                     <p:animEffect transition="in" filter="blinds(horizontal)">
                                       <p:cBhvr>
-                                        <p:cTn id="40" dur="500"/>
+                                        <p:cTn id="33" dur="500"/>
                                         <p:tgtEl>
                                           <p:spTgt spid="22"/>
                                         </p:tgtEl>
@@ -12246,10 +12012,8 @@
     </p:tnLst>
     <p:bldLst>
       <p:bldP spid="13" grpId="0"/>
-      <p:bldP spid="14" grpId="0"/>
       <p:bldP spid="33" grpId="0" bldLvl="0" animBg="1"/>
       <p:bldP spid="16" grpId="0"/>
-      <p:bldP spid="18" grpId="0"/>
       <p:bldP spid="28" grpId="0"/>
       <p:bldP spid="23" grpId="0"/>
       <p:bldP spid="10" grpId="0" bldLvl="0" animBg="1"/>
@@ -14301,7 +14065,7 @@
                 <a:latin typeface="思源黑体 CN Regular" panose="020B0500000000000000" charset="-122"/>
                 <a:ea typeface="思源黑体 CN Regular" panose="020B0500000000000000" charset="-122"/>
                 <a:cs typeface="思源黑体 CN Regular" panose="020B0500000000000000" charset="-122"/>
-                <a:sym typeface="Arial" panose="020B0604020202020204" pitchFamily="34" charset="0"/>
+                <a:sym typeface="Arial" panose="020B0604020202090204" pitchFamily="34" charset="0"/>
               </a:rPr>
               <a:t>微信公众号注册网站</a:t>
             </a:r>
@@ -14312,7 +14076,7 @@
               <a:latin typeface="思源黑体 CN Regular" panose="020B0500000000000000" charset="-122"/>
               <a:ea typeface="思源黑体 CN Regular" panose="020B0500000000000000" charset="-122"/>
               <a:cs typeface="思源黑体 CN Regular" panose="020B0500000000000000" charset="-122"/>
-              <a:sym typeface="Arial" panose="020B0604020202020204" pitchFamily="34" charset="0"/>
+              <a:sym typeface="Arial" panose="020B0604020202090204" pitchFamily="34" charset="0"/>
             </a:endParaRPr>
           </a:p>
           <a:p>
@@ -14343,7 +14107,7 @@
               <a:latin typeface="思源黑体 CN Regular" panose="020B0500000000000000" charset="-122"/>
               <a:ea typeface="思源黑体 CN Regular" panose="020B0500000000000000" charset="-122"/>
               <a:cs typeface="思源黑体 CN Regular" panose="020B0500000000000000" charset="-122"/>
-              <a:sym typeface="Arial" panose="020B0604020202020204" pitchFamily="34" charset="0"/>
+              <a:sym typeface="Arial" panose="020B0604020202090204" pitchFamily="34" charset="0"/>
             </a:endParaRPr>
           </a:p>
           <a:p>
@@ -14362,7 +14126,7 @@
               <a:latin typeface="思源黑体 CN Regular" panose="020B0500000000000000" charset="-122"/>
               <a:ea typeface="思源黑体 CN Regular" panose="020B0500000000000000" charset="-122"/>
               <a:cs typeface="思源黑体 CN Regular" panose="020B0500000000000000" charset="-122"/>
-              <a:sym typeface="Arial" panose="020B0604020202020204" pitchFamily="34" charset="0"/>
+              <a:sym typeface="Arial" panose="020B0604020202090204" pitchFamily="34" charset="0"/>
             </a:endParaRPr>
           </a:p>
           <a:p>
@@ -14382,21 +14146,9 @@
                 <a:latin typeface="思源黑体 CN Regular" panose="020B0500000000000000" charset="-122"/>
                 <a:ea typeface="思源黑体 CN Regular" panose="020B0500000000000000" charset="-122"/>
                 <a:cs typeface="思源黑体 CN Regular" panose="020B0500000000000000" charset="-122"/>
-                <a:sym typeface="Arial" panose="020B0604020202020204" pitchFamily="34" charset="0"/>
+                <a:sym typeface="Arial" panose="020B0604020202090204" pitchFamily="34" charset="0"/>
               </a:rPr>
-              <a:t>微信公众号</a:t>
-            </a:r>
-            <a:r>
-              <a:rPr lang="zh-CN" altLang="en-US">
-                <a:solidFill>
-                  <a:srgbClr val="243547"/>
-                </a:solidFill>
-                <a:latin typeface="思源黑体 CN Regular" panose="020B0500000000000000" charset="-122"/>
-                <a:ea typeface="思源黑体 CN Regular" panose="020B0500000000000000" charset="-122"/>
-                <a:cs typeface="思源黑体 CN Regular" panose="020B0500000000000000" charset="-122"/>
-                <a:sym typeface="Arial" panose="020B0604020202020204" pitchFamily="34" charset="0"/>
-              </a:rPr>
-              <a:t>注册流程</a:t>
+              <a:t>微信公众号注册流程</a:t>
             </a:r>
             <a:endParaRPr lang="zh-CN" altLang="en-US">
               <a:solidFill>
@@ -14405,7 +14157,7 @@
               <a:latin typeface="思源黑体 CN Regular" panose="020B0500000000000000" charset="-122"/>
               <a:ea typeface="思源黑体 CN Regular" panose="020B0500000000000000" charset="-122"/>
               <a:cs typeface="思源黑体 CN Regular" panose="020B0500000000000000" charset="-122"/>
-              <a:sym typeface="Arial" panose="020B0604020202020204" pitchFamily="34" charset="0"/>
+              <a:sym typeface="Arial" panose="020B0604020202090204" pitchFamily="34" charset="0"/>
             </a:endParaRPr>
           </a:p>
           <a:p>
@@ -14425,7 +14177,7 @@
                 <a:latin typeface="思源黑体 CN Regular" panose="020B0500000000000000" charset="-122"/>
                 <a:ea typeface="思源黑体 CN Regular" panose="020B0500000000000000" charset="-122"/>
                 <a:cs typeface="思源黑体 CN Regular" panose="020B0500000000000000" charset="-122"/>
-                <a:sym typeface="Arial" panose="020B0604020202020204" pitchFamily="34" charset="0"/>
+                <a:sym typeface="Arial" panose="020B0604020202090204" pitchFamily="34" charset="0"/>
               </a:rPr>
               <a:t>https://jingyan.baidu.com/article/597a06433af32f312a52436a.html</a:t>
             </a:r>
@@ -14436,7 +14188,7 @@
               <a:latin typeface="思源黑体 CN Regular" panose="020B0500000000000000" charset="-122"/>
               <a:ea typeface="思源黑体 CN Regular" panose="020B0500000000000000" charset="-122"/>
               <a:cs typeface="思源黑体 CN Regular" panose="020B0500000000000000" charset="-122"/>
-              <a:sym typeface="Arial" panose="020B0604020202020204" pitchFamily="34" charset="0"/>
+              <a:sym typeface="Arial" panose="020B0604020202090204" pitchFamily="34" charset="0"/>
             </a:endParaRPr>
           </a:p>
         </p:txBody>
@@ -14478,7 +14230,7 @@
                 <a:latin typeface="思源黑体 CN Regular" panose="020B0500000000000000" charset="-122"/>
                 <a:ea typeface="思源黑体 CN Regular" panose="020B0500000000000000" charset="-122"/>
                 <a:cs typeface="思源黑体 CN Regular" panose="020B0500000000000000" charset="-122"/>
-                <a:sym typeface="Arial" panose="020B0604020202020204" pitchFamily="34" charset="0"/>
+                <a:sym typeface="Arial" panose="020B0604020202090204" pitchFamily="34" charset="0"/>
               </a:rPr>
               <a:t>注册微信公众号的目的是</a:t>
             </a:r>
@@ -14489,7 +14241,7 @@
               <a:latin typeface="思源黑体 CN Regular" panose="020B0500000000000000" charset="-122"/>
               <a:ea typeface="思源黑体 CN Regular" panose="020B0500000000000000" charset="-122"/>
               <a:cs typeface="思源黑体 CN Regular" panose="020B0500000000000000" charset="-122"/>
-              <a:sym typeface="Arial" panose="020B0604020202020204" pitchFamily="34" charset="0"/>
+              <a:sym typeface="Arial" panose="020B0604020202090204" pitchFamily="34" charset="0"/>
             </a:endParaRPr>
           </a:p>
           <a:p>
@@ -14509,7 +14261,7 @@
                 <a:latin typeface="思源黑体 CN Regular" panose="020B0500000000000000" charset="-122"/>
                 <a:ea typeface="思源黑体 CN Regular" panose="020B0500000000000000" charset="-122"/>
                 <a:cs typeface="思源黑体 CN Regular" panose="020B0500000000000000" charset="-122"/>
-                <a:sym typeface="Arial" panose="020B0604020202020204" pitchFamily="34" charset="0"/>
+                <a:sym typeface="Arial" panose="020B0604020202090204" pitchFamily="34" charset="0"/>
               </a:rPr>
               <a:t>可以直接利用微信公众号的企业信息</a:t>
             </a:r>
@@ -14520,7 +14272,7 @@
               <a:latin typeface="思源黑体 CN Regular" panose="020B0500000000000000" charset="-122"/>
               <a:ea typeface="思源黑体 CN Regular" panose="020B0500000000000000" charset="-122"/>
               <a:cs typeface="思源黑体 CN Regular" panose="020B0500000000000000" charset="-122"/>
-              <a:sym typeface="Arial" panose="020B0604020202020204" pitchFamily="34" charset="0"/>
+              <a:sym typeface="Arial" panose="020B0604020202090204" pitchFamily="34" charset="0"/>
             </a:endParaRPr>
           </a:p>
           <a:p>
@@ -14540,7 +14292,7 @@
                 <a:latin typeface="思源黑体 CN Regular" panose="020B0500000000000000" charset="-122"/>
                 <a:ea typeface="思源黑体 CN Regular" panose="020B0500000000000000" charset="-122"/>
                 <a:cs typeface="思源黑体 CN Regular" panose="020B0500000000000000" charset="-122"/>
-                <a:sym typeface="Arial" panose="020B0604020202020204" pitchFamily="34" charset="0"/>
+                <a:sym typeface="Arial" panose="020B0604020202090204" pitchFamily="34" charset="0"/>
               </a:rPr>
               <a:t>直接认证企业微信</a:t>
             </a:r>
@@ -14551,7 +14303,7 @@
               <a:latin typeface="思源黑体 CN Regular" panose="020B0500000000000000" charset="-122"/>
               <a:ea typeface="思源黑体 CN Regular" panose="020B0500000000000000" charset="-122"/>
               <a:cs typeface="思源黑体 CN Regular" panose="020B0500000000000000" charset="-122"/>
-              <a:sym typeface="Arial" panose="020B0604020202020204" pitchFamily="34" charset="0"/>
+              <a:sym typeface="Arial" panose="020B0604020202090204" pitchFamily="34" charset="0"/>
             </a:endParaRPr>
           </a:p>
           <a:p>
@@ -14571,7 +14323,7 @@
                 <a:latin typeface="思源黑体 CN Regular" panose="020B0500000000000000" charset="-122"/>
                 <a:ea typeface="思源黑体 CN Regular" panose="020B0500000000000000" charset="-122"/>
                 <a:cs typeface="思源黑体 CN Regular" panose="020B0500000000000000" charset="-122"/>
-                <a:sym typeface="Arial" panose="020B0604020202020204" pitchFamily="34" charset="0"/>
+                <a:sym typeface="Arial" panose="020B0604020202090204" pitchFamily="34" charset="0"/>
               </a:rPr>
               <a:t>这样子企业微信就不需要重新交</a:t>
             </a:r>
@@ -14583,7 +14335,7 @@
                 <a:latin typeface="思源黑体 CN Regular" panose="020B0500000000000000" charset="-122"/>
                 <a:ea typeface="思源黑体 CN Regular" panose="020B0500000000000000" charset="-122"/>
                 <a:cs typeface="思源黑体 CN Regular" panose="020B0500000000000000" charset="-122"/>
-                <a:sym typeface="Arial" panose="020B0604020202020204" pitchFamily="34" charset="0"/>
+                <a:sym typeface="Arial" panose="020B0604020202090204" pitchFamily="34" charset="0"/>
               </a:rPr>
               <a:t>300</a:t>
             </a:r>
@@ -14595,7 +14347,7 @@
                 <a:latin typeface="思源黑体 CN Regular" panose="020B0500000000000000" charset="-122"/>
                 <a:ea typeface="思源黑体 CN Regular" panose="020B0500000000000000" charset="-122"/>
                 <a:cs typeface="思源黑体 CN Regular" panose="020B0500000000000000" charset="-122"/>
-                <a:sym typeface="Arial" panose="020B0604020202020204" pitchFamily="34" charset="0"/>
+                <a:sym typeface="Arial" panose="020B0604020202090204" pitchFamily="34" charset="0"/>
               </a:rPr>
               <a:t>元认证费</a:t>
             </a:r>
@@ -14606,7 +14358,7 @@
               <a:latin typeface="思源黑体 CN Regular" panose="020B0500000000000000" charset="-122"/>
               <a:ea typeface="思源黑体 CN Regular" panose="020B0500000000000000" charset="-122"/>
               <a:cs typeface="思源黑体 CN Regular" panose="020B0500000000000000" charset="-122"/>
-              <a:sym typeface="Arial" panose="020B0604020202020204" pitchFamily="34" charset="0"/>
+              <a:sym typeface="Arial" panose="020B0604020202090204" pitchFamily="34" charset="0"/>
             </a:endParaRPr>
           </a:p>
           <a:p>
@@ -14625,7 +14377,7 @@
               <a:latin typeface="思源黑体 CN Regular" panose="020B0500000000000000" charset="-122"/>
               <a:ea typeface="思源黑体 CN Regular" panose="020B0500000000000000" charset="-122"/>
               <a:cs typeface="思源黑体 CN Regular" panose="020B0500000000000000" charset="-122"/>
-              <a:sym typeface="Arial" panose="020B0604020202020204" pitchFamily="34" charset="0"/>
+              <a:sym typeface="Arial" panose="020B0604020202090204" pitchFamily="34" charset="0"/>
             </a:endParaRPr>
           </a:p>
           <a:p>
@@ -14645,7 +14397,7 @@
                 <a:latin typeface="思源黑体 CN Regular" panose="020B0500000000000000" charset="-122"/>
                 <a:ea typeface="思源黑体 CN Regular" panose="020B0500000000000000" charset="-122"/>
                 <a:cs typeface="思源黑体 CN Regular" panose="020B0500000000000000" charset="-122"/>
-                <a:sym typeface="Arial" panose="020B0604020202020204" pitchFamily="34" charset="0"/>
+                <a:sym typeface="Arial" panose="020B0604020202090204" pitchFamily="34" charset="0"/>
               </a:rPr>
               <a:t>微信公众号的名称自拟定。不一定是公司名称的</a:t>
             </a:r>
@@ -14656,7 +14408,7 @@
               <a:latin typeface="思源黑体 CN Regular" panose="020B0500000000000000" charset="-122"/>
               <a:ea typeface="思源黑体 CN Regular" panose="020B0500000000000000" charset="-122"/>
               <a:cs typeface="思源黑体 CN Regular" panose="020B0500000000000000" charset="-122"/>
-              <a:sym typeface="Arial" panose="020B0604020202020204" pitchFamily="34" charset="0"/>
+              <a:sym typeface="Arial" panose="020B0604020202090204" pitchFamily="34" charset="0"/>
             </a:endParaRPr>
           </a:p>
           <a:p>
@@ -14675,7 +14427,7 @@
               <a:latin typeface="思源黑体 CN Regular" panose="020B0500000000000000" charset="-122"/>
               <a:ea typeface="思源黑体 CN Regular" panose="020B0500000000000000" charset="-122"/>
               <a:cs typeface="思源黑体 CN Regular" panose="020B0500000000000000" charset="-122"/>
-              <a:sym typeface="Arial" panose="020B0604020202020204" pitchFamily="34" charset="0"/>
+              <a:sym typeface="Arial" panose="020B0604020202090204" pitchFamily="34" charset="0"/>
             </a:endParaRPr>
           </a:p>
           <a:p>
@@ -14695,7 +14447,7 @@
                 <a:latin typeface="思源黑体 CN Regular" panose="020B0500000000000000" charset="-122"/>
                 <a:ea typeface="思源黑体 CN Regular" panose="020B0500000000000000" charset="-122"/>
                 <a:cs typeface="思源黑体 CN Regular" panose="020B0500000000000000" charset="-122"/>
-                <a:sym typeface="Arial" panose="020B0604020202020204" pitchFamily="34" charset="0"/>
+                <a:sym typeface="Arial" panose="020B0604020202090204" pitchFamily="34" charset="0"/>
               </a:rPr>
               <a:t>微信公众号和企业微信公众号绑定的微信建议用老板的同一个微信，用于做超级管理员</a:t>
             </a:r>
@@ -14706,7 +14458,7 @@
               <a:latin typeface="思源黑体 CN Regular" panose="020B0500000000000000" charset="-122"/>
               <a:ea typeface="思源黑体 CN Regular" panose="020B0500000000000000" charset="-122"/>
               <a:cs typeface="思源黑体 CN Regular" panose="020B0500000000000000" charset="-122"/>
-              <a:sym typeface="Arial" panose="020B0604020202020204" pitchFamily="34" charset="0"/>
+              <a:sym typeface="Arial" panose="020B0604020202090204" pitchFamily="34" charset="0"/>
             </a:endParaRPr>
           </a:p>
         </p:txBody>
@@ -15172,33 +14924,9 @@
                 <a:latin typeface="思源黑体 CN Regular" panose="020B0500000000000000" charset="-122"/>
                 <a:ea typeface="思源黑体 CN Regular" panose="020B0500000000000000" charset="-122"/>
                 <a:cs typeface="思源黑体 CN Regular" panose="020B0500000000000000" charset="-122"/>
-                <a:sym typeface="Arial" panose="020B0604020202020204" pitchFamily="34" charset="0"/>
+                <a:sym typeface="Arial" panose="020B0604020202090204" pitchFamily="34" charset="0"/>
               </a:rPr>
-              <a:t>企业</a:t>
-            </a:r>
-            <a:r>
-              <a:rPr lang="zh-CN" altLang="en-US">
-                <a:solidFill>
-                  <a:srgbClr val="243547"/>
-                </a:solidFill>
-                <a:latin typeface="思源黑体 CN Regular" panose="020B0500000000000000" charset="-122"/>
-                <a:ea typeface="思源黑体 CN Regular" panose="020B0500000000000000" charset="-122"/>
-                <a:cs typeface="思源黑体 CN Regular" panose="020B0500000000000000" charset="-122"/>
-                <a:sym typeface="Arial" panose="020B0604020202020204" pitchFamily="34" charset="0"/>
-              </a:rPr>
-              <a:t>微信</a:t>
-            </a:r>
-            <a:r>
-              <a:rPr lang="zh-CN" altLang="en-US">
-                <a:solidFill>
-                  <a:srgbClr val="243547"/>
-                </a:solidFill>
-                <a:latin typeface="思源黑体 CN Regular" panose="020B0500000000000000" charset="-122"/>
-                <a:ea typeface="思源黑体 CN Regular" panose="020B0500000000000000" charset="-122"/>
-                <a:cs typeface="思源黑体 CN Regular" panose="020B0500000000000000" charset="-122"/>
-                <a:sym typeface="Arial" panose="020B0604020202020204" pitchFamily="34" charset="0"/>
-              </a:rPr>
-              <a:t>注册网站</a:t>
+              <a:t>企业微信注册网站</a:t>
             </a:r>
             <a:endParaRPr lang="zh-CN" altLang="en-US">
               <a:solidFill>
@@ -15207,7 +14935,7 @@
               <a:latin typeface="思源黑体 CN Regular" panose="020B0500000000000000" charset="-122"/>
               <a:ea typeface="思源黑体 CN Regular" panose="020B0500000000000000" charset="-122"/>
               <a:cs typeface="思源黑体 CN Regular" panose="020B0500000000000000" charset="-122"/>
-              <a:sym typeface="Arial" panose="020B0604020202020204" pitchFamily="34" charset="0"/>
+              <a:sym typeface="Arial" panose="020B0604020202090204" pitchFamily="34" charset="0"/>
             </a:endParaRPr>
           </a:p>
           <a:p>
@@ -15238,7 +14966,7 @@
               <a:latin typeface="思源黑体 CN Regular" panose="020B0500000000000000" charset="-122"/>
               <a:ea typeface="思源黑体 CN Regular" panose="020B0500000000000000" charset="-122"/>
               <a:cs typeface="思源黑体 CN Regular" panose="020B0500000000000000" charset="-122"/>
-              <a:sym typeface="Arial" panose="020B0604020202020204" pitchFamily="34" charset="0"/>
+              <a:sym typeface="Arial" panose="020B0604020202090204" pitchFamily="34" charset="0"/>
             </a:endParaRPr>
           </a:p>
         </p:txBody>
@@ -15280,7 +15008,7 @@
                 <a:latin typeface="思源黑体 CN Regular" panose="020B0500000000000000" charset="-122"/>
                 <a:ea typeface="思源黑体 CN Regular" panose="020B0500000000000000" charset="-122"/>
                 <a:cs typeface="思源黑体 CN Regular" panose="020B0500000000000000" charset="-122"/>
-                <a:sym typeface="Arial" panose="020B0604020202020204" pitchFamily="34" charset="0"/>
+                <a:sym typeface="Arial" panose="020B0604020202090204" pitchFamily="34" charset="0"/>
               </a:rPr>
               <a:t>注册企业微信的信息 </a:t>
             </a:r>
@@ -15291,7 +15019,7 @@
               <a:latin typeface="思源黑体 CN Regular" panose="020B0500000000000000" charset="-122"/>
               <a:ea typeface="思源黑体 CN Regular" panose="020B0500000000000000" charset="-122"/>
               <a:cs typeface="思源黑体 CN Regular" panose="020B0500000000000000" charset="-122"/>
-              <a:sym typeface="Arial" panose="020B0604020202020204" pitchFamily="34" charset="0"/>
+              <a:sym typeface="Arial" panose="020B0604020202090204" pitchFamily="34" charset="0"/>
             </a:endParaRPr>
           </a:p>
           <a:p>
@@ -15311,7 +15039,7 @@
                 <a:latin typeface="思源黑体 CN Regular" panose="020B0500000000000000" charset="-122"/>
                 <a:ea typeface="思源黑体 CN Regular" panose="020B0500000000000000" charset="-122"/>
                 <a:cs typeface="思源黑体 CN Regular" panose="020B0500000000000000" charset="-122"/>
-                <a:sym typeface="Arial" panose="020B0604020202020204" pitchFamily="34" charset="0"/>
+                <a:sym typeface="Arial" panose="020B0604020202090204" pitchFamily="34" charset="0"/>
               </a:rPr>
               <a:t>也是如实填写</a:t>
             </a:r>
@@ -15322,7 +15050,7 @@
               <a:latin typeface="思源黑体 CN Regular" panose="020B0500000000000000" charset="-122"/>
               <a:ea typeface="思源黑体 CN Regular" panose="020B0500000000000000" charset="-122"/>
               <a:cs typeface="思源黑体 CN Regular" panose="020B0500000000000000" charset="-122"/>
-              <a:sym typeface="Arial" panose="020B0604020202020204" pitchFamily="34" charset="0"/>
+              <a:sym typeface="Arial" panose="020B0604020202090204" pitchFamily="34" charset="0"/>
             </a:endParaRPr>
           </a:p>
           <a:p>
@@ -15341,7 +15069,7 @@
               <a:latin typeface="思源黑体 CN Regular" panose="020B0500000000000000" charset="-122"/>
               <a:ea typeface="思源黑体 CN Regular" panose="020B0500000000000000" charset="-122"/>
               <a:cs typeface="思源黑体 CN Regular" panose="020B0500000000000000" charset="-122"/>
-              <a:sym typeface="Arial" panose="020B0604020202020204" pitchFamily="34" charset="0"/>
+              <a:sym typeface="Arial" panose="020B0604020202090204" pitchFamily="34" charset="0"/>
             </a:endParaRPr>
           </a:p>
           <a:p>
@@ -15361,7 +15089,7 @@
                 <a:latin typeface="思源黑体 CN Regular" panose="020B0500000000000000" charset="-122"/>
                 <a:ea typeface="思源黑体 CN Regular" panose="020B0500000000000000" charset="-122"/>
                 <a:cs typeface="思源黑体 CN Regular" panose="020B0500000000000000" charset="-122"/>
-                <a:sym typeface="Arial" panose="020B0604020202020204" pitchFamily="34" charset="0"/>
+                <a:sym typeface="Arial" panose="020B0604020202090204" pitchFamily="34" charset="0"/>
               </a:rPr>
               <a:t>注册完之后需要登录进去后台</a:t>
             </a:r>
@@ -15372,7 +15100,7 @@
               <a:latin typeface="思源黑体 CN Regular" panose="020B0500000000000000" charset="-122"/>
               <a:ea typeface="思源黑体 CN Regular" panose="020B0500000000000000" charset="-122"/>
               <a:cs typeface="思源黑体 CN Regular" panose="020B0500000000000000" charset="-122"/>
-              <a:sym typeface="Arial" panose="020B0604020202020204" pitchFamily="34" charset="0"/>
+              <a:sym typeface="Arial" panose="020B0604020202090204" pitchFamily="34" charset="0"/>
             </a:endParaRPr>
           </a:p>
           <a:p>
@@ -15392,7 +15120,7 @@
                 <a:latin typeface="思源黑体 CN Regular" panose="020B0500000000000000" charset="-122"/>
                 <a:ea typeface="思源黑体 CN Regular" panose="020B0500000000000000" charset="-122"/>
                 <a:cs typeface="思源黑体 CN Regular" panose="020B0500000000000000" charset="-122"/>
-                <a:sym typeface="Arial" panose="020B0604020202020204" pitchFamily="34" charset="0"/>
+                <a:sym typeface="Arial" panose="020B0604020202090204" pitchFamily="34" charset="0"/>
               </a:rPr>
               <a:t>进行企业微信认证</a:t>
             </a:r>
@@ -15403,7 +15131,7 @@
               <a:latin typeface="思源黑体 CN Regular" panose="020B0500000000000000" charset="-122"/>
               <a:ea typeface="思源黑体 CN Regular" panose="020B0500000000000000" charset="-122"/>
               <a:cs typeface="思源黑体 CN Regular" panose="020B0500000000000000" charset="-122"/>
-              <a:sym typeface="Arial" panose="020B0604020202020204" pitchFamily="34" charset="0"/>
+              <a:sym typeface="Arial" panose="020B0604020202090204" pitchFamily="34" charset="0"/>
             </a:endParaRPr>
           </a:p>
           <a:p>
@@ -15422,7 +15150,7 @@
               <a:latin typeface="思源黑体 CN Regular" panose="020B0500000000000000" charset="-122"/>
               <a:ea typeface="思源黑体 CN Regular" panose="020B0500000000000000" charset="-122"/>
               <a:cs typeface="思源黑体 CN Regular" panose="020B0500000000000000" charset="-122"/>
-              <a:sym typeface="Arial" panose="020B0604020202020204" pitchFamily="34" charset="0"/>
+              <a:sym typeface="Arial" panose="020B0604020202090204" pitchFamily="34" charset="0"/>
             </a:endParaRPr>
           </a:p>
         </p:txBody>
@@ -15936,7 +15664,7 @@
                 <a:latin typeface="思源黑体 CN Regular" panose="020B0500000000000000" charset="-122"/>
                 <a:ea typeface="思源黑体 CN Regular" panose="020B0500000000000000" charset="-122"/>
                 <a:cs typeface="思源黑体 CN Regular" panose="020B0500000000000000" charset="-122"/>
-                <a:sym typeface="Arial" panose="020B0604020202020204" pitchFamily="34" charset="0"/>
+                <a:sym typeface="Arial" panose="020B0604020202090204" pitchFamily="34" charset="0"/>
               </a:rPr>
               <a:t>1</a:t>
             </a:r>
@@ -15948,21 +15676,9 @@
                 <a:latin typeface="思源黑体 CN Regular" panose="020B0500000000000000" charset="-122"/>
                 <a:ea typeface="思源黑体 CN Regular" panose="020B0500000000000000" charset="-122"/>
                 <a:cs typeface="思源黑体 CN Regular" panose="020B0500000000000000" charset="-122"/>
-                <a:sym typeface="Arial" panose="020B0604020202020204" pitchFamily="34" charset="0"/>
+                <a:sym typeface="Arial" panose="020B0604020202090204" pitchFamily="34" charset="0"/>
               </a:rPr>
-              <a:t>、</a:t>
-            </a:r>
-            <a:r>
-              <a:rPr lang="zh-CN" altLang="en-US">
-                <a:solidFill>
-                  <a:srgbClr val="243547"/>
-                </a:solidFill>
-                <a:latin typeface="思源黑体 CN Regular" panose="020B0500000000000000" charset="-122"/>
-                <a:ea typeface="思源黑体 CN Regular" panose="020B0500000000000000" charset="-122"/>
-                <a:cs typeface="思源黑体 CN Regular" panose="020B0500000000000000" charset="-122"/>
-                <a:sym typeface="Arial" panose="020B0604020202020204" pitchFamily="34" charset="0"/>
-              </a:rPr>
-              <a:t>点击我的企业</a:t>
+              <a:t>、点击我的企业</a:t>
             </a:r>
             <a:r>
               <a:rPr lang="en-US" altLang="zh-CN">
@@ -15972,7 +15688,7 @@
                 <a:latin typeface="思源黑体 CN Regular" panose="020B0500000000000000" charset="-122"/>
                 <a:ea typeface="思源黑体 CN Regular" panose="020B0500000000000000" charset="-122"/>
                 <a:cs typeface="思源黑体 CN Regular" panose="020B0500000000000000" charset="-122"/>
-                <a:sym typeface="Arial" panose="020B0604020202020204" pitchFamily="34" charset="0"/>
+                <a:sym typeface="Arial" panose="020B0604020202090204" pitchFamily="34" charset="0"/>
               </a:rPr>
               <a:t>-</a:t>
             </a:r>
@@ -15984,7 +15700,7 @@
                 <a:latin typeface="思源黑体 CN Regular" panose="020B0500000000000000" charset="-122"/>
                 <a:ea typeface="思源黑体 CN Regular" panose="020B0500000000000000" charset="-122"/>
                 <a:cs typeface="思源黑体 CN Regular" panose="020B0500000000000000" charset="-122"/>
-                <a:sym typeface="Arial" panose="020B0604020202020204" pitchFamily="34" charset="0"/>
+                <a:sym typeface="Arial" panose="020B0604020202090204" pitchFamily="34" charset="0"/>
               </a:rPr>
               <a:t>企业微信认证</a:t>
             </a:r>
@@ -15995,35 +15711,11 @@
               <a:latin typeface="思源黑体 CN Regular" panose="020B0500000000000000" charset="-122"/>
               <a:ea typeface="思源黑体 CN Regular" panose="020B0500000000000000" charset="-122"/>
               <a:cs typeface="思源黑体 CN Regular" panose="020B0500000000000000" charset="-122"/>
-              <a:sym typeface="Arial" panose="020B0604020202020204" pitchFamily="34" charset="0"/>
+              <a:sym typeface="Arial" panose="020B0604020202090204" pitchFamily="34" charset="0"/>
             </a:endParaRPr>
           </a:p>
         </p:txBody>
       </p:sp>
-      <p:pic>
-        <p:nvPicPr>
-          <p:cNvPr id="8" name="图片 7"/>
-          <p:cNvPicPr>
-            <a:picLocks noChangeAspect="1"/>
-          </p:cNvPicPr>
-          <p:nvPr/>
-        </p:nvPicPr>
-        <p:blipFill>
-          <a:blip r:embed="rId1"/>
-          <a:stretch>
-            <a:fillRect/>
-          </a:stretch>
-        </p:blipFill>
-        <p:spPr>
-          <a:xfrm>
-            <a:off x="346075" y="1949450"/>
-            <a:ext cx="5815330" cy="2246630"/>
-          </a:xfrm>
-          <a:prstGeom prst="rect">
-            <a:avLst/>
-          </a:prstGeom>
-        </p:spPr>
-      </p:pic>
       <p:pic>
         <p:nvPicPr>
           <p:cNvPr id="9" name="图片 8"/>
@@ -16033,7 +15725,7 @@
           <p:nvPr/>
         </p:nvPicPr>
         <p:blipFill>
-          <a:blip r:embed="rId2"/>
+          <a:blip r:embed="rId1"/>
           <a:stretch>
             <a:fillRect/>
           </a:stretch>
@@ -16085,7 +15777,7 @@
                 <a:latin typeface="思源黑体 CN Regular" panose="020B0500000000000000" charset="-122"/>
                 <a:ea typeface="思源黑体 CN Regular" panose="020B0500000000000000" charset="-122"/>
                 <a:cs typeface="思源黑体 CN Regular" panose="020B0500000000000000" charset="-122"/>
-                <a:sym typeface="Arial" panose="020B0604020202020204" pitchFamily="34" charset="0"/>
+                <a:sym typeface="Arial" panose="020B0604020202090204" pitchFamily="34" charset="0"/>
               </a:rPr>
               <a:t>2</a:t>
             </a:r>
@@ -16097,21 +15789,9 @@
                 <a:latin typeface="思源黑体 CN Regular" panose="020B0500000000000000" charset="-122"/>
                 <a:ea typeface="思源黑体 CN Regular" panose="020B0500000000000000" charset="-122"/>
                 <a:cs typeface="思源黑体 CN Regular" panose="020B0500000000000000" charset="-122"/>
-                <a:sym typeface="Arial" panose="020B0604020202020204" pitchFamily="34" charset="0"/>
+                <a:sym typeface="Arial" panose="020B0604020202090204" pitchFamily="34" charset="0"/>
               </a:rPr>
-              <a:t>、</a:t>
-            </a:r>
-            <a:r>
-              <a:rPr lang="zh-CN" altLang="en-US">
-                <a:solidFill>
-                  <a:srgbClr val="243547"/>
-                </a:solidFill>
-                <a:latin typeface="思源黑体 CN Regular" panose="020B0500000000000000" charset="-122"/>
-                <a:ea typeface="思源黑体 CN Regular" panose="020B0500000000000000" charset="-122"/>
-                <a:cs typeface="思源黑体 CN Regular" panose="020B0500000000000000" charset="-122"/>
-                <a:sym typeface="Arial" panose="020B0604020202020204" pitchFamily="34" charset="0"/>
-              </a:rPr>
-              <a:t>然后用前面注册的微信公众号的超级管理员的微信号扫码</a:t>
+              <a:t>、然后用前面注册的微信公众号的超级管理员的微信号扫码</a:t>
             </a:r>
             <a:endParaRPr lang="zh-CN" altLang="en-US">
               <a:solidFill>
@@ -16120,7 +15800,7 @@
               <a:latin typeface="思源黑体 CN Regular" panose="020B0500000000000000" charset="-122"/>
               <a:ea typeface="思源黑体 CN Regular" panose="020B0500000000000000" charset="-122"/>
               <a:cs typeface="思源黑体 CN Regular" panose="020B0500000000000000" charset="-122"/>
-              <a:sym typeface="Arial" panose="020B0604020202020204" pitchFamily="34" charset="0"/>
+              <a:sym typeface="Arial" panose="020B0604020202090204" pitchFamily="34" charset="0"/>
             </a:endParaRPr>
           </a:p>
           <a:p>
@@ -16140,7 +15820,7 @@
                 <a:latin typeface="思源黑体 CN Regular" panose="020B0500000000000000" charset="-122"/>
                 <a:ea typeface="思源黑体 CN Regular" panose="020B0500000000000000" charset="-122"/>
                 <a:cs typeface="思源黑体 CN Regular" panose="020B0500000000000000" charset="-122"/>
-                <a:sym typeface="Arial" panose="020B0604020202020204" pitchFamily="34" charset="0"/>
+                <a:sym typeface="Arial" panose="020B0604020202090204" pitchFamily="34" charset="0"/>
               </a:rPr>
               <a:t>3</a:t>
             </a:r>
@@ -16152,21 +15832,9 @@
                 <a:latin typeface="思源黑体 CN Regular" panose="020B0500000000000000" charset="-122"/>
                 <a:ea typeface="思源黑体 CN Regular" panose="020B0500000000000000" charset="-122"/>
                 <a:cs typeface="思源黑体 CN Regular" panose="020B0500000000000000" charset="-122"/>
-                <a:sym typeface="Arial" panose="020B0604020202020204" pitchFamily="34" charset="0"/>
+                <a:sym typeface="Arial" panose="020B0604020202090204" pitchFamily="34" charset="0"/>
               </a:rPr>
-              <a:t>、</a:t>
-            </a:r>
-            <a:r>
-              <a:rPr lang="zh-CN" altLang="en-US">
-                <a:solidFill>
-                  <a:srgbClr val="243547"/>
-                </a:solidFill>
-                <a:latin typeface="思源黑体 CN Regular" panose="020B0500000000000000" charset="-122"/>
-                <a:ea typeface="思源黑体 CN Regular" panose="020B0500000000000000" charset="-122"/>
-                <a:cs typeface="思源黑体 CN Regular" panose="020B0500000000000000" charset="-122"/>
-                <a:sym typeface="Arial" panose="020B0604020202020204" pitchFamily="34" charset="0"/>
-              </a:rPr>
-              <a:t>选择刚才认证成功的微信公众号授权确认即可</a:t>
+              <a:t>、选择刚才认证成功的微信公众号授权确认即可</a:t>
             </a:r>
             <a:endParaRPr lang="zh-CN" altLang="en-US">
               <a:solidFill>
@@ -16175,7 +15843,7 @@
               <a:latin typeface="思源黑体 CN Regular" panose="020B0500000000000000" charset="-122"/>
               <a:ea typeface="思源黑体 CN Regular" panose="020B0500000000000000" charset="-122"/>
               <a:cs typeface="思源黑体 CN Regular" panose="020B0500000000000000" charset="-122"/>
-              <a:sym typeface="Arial" panose="020B0604020202020204" pitchFamily="34" charset="0"/>
+              <a:sym typeface="Arial" panose="020B0604020202090204" pitchFamily="34" charset="0"/>
             </a:endParaRPr>
           </a:p>
           <a:p>
@@ -16195,7 +15863,7 @@
                 <a:latin typeface="思源黑体 CN Regular" panose="020B0500000000000000" charset="-122"/>
                 <a:ea typeface="思源黑体 CN Regular" panose="020B0500000000000000" charset="-122"/>
                 <a:cs typeface="思源黑体 CN Regular" panose="020B0500000000000000" charset="-122"/>
-                <a:sym typeface="Arial" panose="020B0604020202020204" pitchFamily="34" charset="0"/>
+                <a:sym typeface="Arial" panose="020B0604020202090204" pitchFamily="34" charset="0"/>
               </a:rPr>
               <a:t>4</a:t>
             </a:r>
@@ -16207,21 +15875,9 @@
                 <a:latin typeface="思源黑体 CN Regular" panose="020B0500000000000000" charset="-122"/>
                 <a:ea typeface="思源黑体 CN Regular" panose="020B0500000000000000" charset="-122"/>
                 <a:cs typeface="思源黑体 CN Regular" panose="020B0500000000000000" charset="-122"/>
-                <a:sym typeface="Arial" panose="020B0604020202020204" pitchFamily="34" charset="0"/>
+                <a:sym typeface="Arial" panose="020B0604020202090204" pitchFamily="34" charset="0"/>
               </a:rPr>
-              <a:t>、</a:t>
-            </a:r>
-            <a:r>
-              <a:rPr lang="zh-CN" altLang="en-US">
-                <a:solidFill>
-                  <a:srgbClr val="243547"/>
-                </a:solidFill>
-                <a:latin typeface="思源黑体 CN Regular" panose="020B0500000000000000" charset="-122"/>
-                <a:ea typeface="思源黑体 CN Regular" panose="020B0500000000000000" charset="-122"/>
-                <a:cs typeface="思源黑体 CN Regular" panose="020B0500000000000000" charset="-122"/>
-                <a:sym typeface="Arial" panose="020B0604020202020204" pitchFamily="34" charset="0"/>
-              </a:rPr>
-              <a:t>一般审核时间是</a:t>
+              <a:t>、一般审核时间是</a:t>
             </a:r>
             <a:r>
               <a:rPr lang="en-US" altLang="zh-CN">
@@ -16231,7 +15887,7 @@
                 <a:latin typeface="思源黑体 CN Regular" panose="020B0500000000000000" charset="-122"/>
                 <a:ea typeface="思源黑体 CN Regular" panose="020B0500000000000000" charset="-122"/>
                 <a:cs typeface="思源黑体 CN Regular" panose="020B0500000000000000" charset="-122"/>
-                <a:sym typeface="Arial" panose="020B0604020202020204" pitchFamily="34" charset="0"/>
+                <a:sym typeface="Arial" panose="020B0604020202090204" pitchFamily="34" charset="0"/>
               </a:rPr>
               <a:t>3</a:t>
             </a:r>
@@ -16243,7 +15899,7 @@
                 <a:latin typeface="思源黑体 CN Regular" panose="020B0500000000000000" charset="-122"/>
                 <a:ea typeface="思源黑体 CN Regular" panose="020B0500000000000000" charset="-122"/>
                 <a:cs typeface="思源黑体 CN Regular" panose="020B0500000000000000" charset="-122"/>
-                <a:sym typeface="Arial" panose="020B0604020202020204" pitchFamily="34" charset="0"/>
+                <a:sym typeface="Arial" panose="020B0604020202090204" pitchFamily="34" charset="0"/>
               </a:rPr>
               <a:t>天</a:t>
             </a:r>
@@ -16254,11 +15910,35 @@
               <a:latin typeface="思源黑体 CN Regular" panose="020B0500000000000000" charset="-122"/>
               <a:ea typeface="思源黑体 CN Regular" panose="020B0500000000000000" charset="-122"/>
               <a:cs typeface="思源黑体 CN Regular" panose="020B0500000000000000" charset="-122"/>
-              <a:sym typeface="Arial" panose="020B0604020202020204" pitchFamily="34" charset="0"/>
+              <a:sym typeface="Arial" panose="020B0604020202090204" pitchFamily="34" charset="0"/>
             </a:endParaRPr>
           </a:p>
         </p:txBody>
       </p:sp>
+      <p:pic>
+        <p:nvPicPr>
+          <p:cNvPr id="2" name="图片 1"/>
+          <p:cNvPicPr>
+            <a:picLocks noChangeAspect="1"/>
+          </p:cNvPicPr>
+          <p:nvPr/>
+        </p:nvPicPr>
+        <p:blipFill>
+          <a:blip r:embed="rId2"/>
+          <a:stretch>
+            <a:fillRect/>
+          </a:stretch>
+        </p:blipFill>
+        <p:spPr>
+          <a:xfrm>
+            <a:off x="1042670" y="1768475"/>
+            <a:ext cx="6356985" cy="2419350"/>
+          </a:xfrm>
+          <a:prstGeom prst="rect">
+            <a:avLst/>
+          </a:prstGeom>
+        </p:spPr>
+      </p:pic>
     </p:spTree>
     <p:custDataLst>
       <p:tags r:id="rId3"/>
@@ -16744,7 +16424,7 @@
                 <a:latin typeface="思源黑体 CN Regular" panose="020B0500000000000000" charset="-122"/>
                 <a:ea typeface="思源黑体 CN Regular" panose="020B0500000000000000" charset="-122"/>
                 <a:cs typeface="思源黑体 CN Regular" panose="020B0500000000000000" charset="-122"/>
-                <a:sym typeface="Arial" panose="020B0604020202020204" pitchFamily="34" charset="0"/>
+                <a:sym typeface="Arial" panose="020B0604020202090204" pitchFamily="34" charset="0"/>
               </a:rPr>
               <a:t>看到这里的已认证就是已经注册企业微信完毕，可以正常使用</a:t>
             </a:r>
@@ -16755,7 +16435,7 @@
               <a:latin typeface="思源黑体 CN Regular" panose="020B0500000000000000" charset="-122"/>
               <a:ea typeface="思源黑体 CN Regular" panose="020B0500000000000000" charset="-122"/>
               <a:cs typeface="思源黑体 CN Regular" panose="020B0500000000000000" charset="-122"/>
-              <a:sym typeface="Arial" panose="020B0604020202020204" pitchFamily="34" charset="0"/>
+              <a:sym typeface="Arial" panose="020B0604020202090204" pitchFamily="34" charset="0"/>
             </a:endParaRPr>
           </a:p>
         </p:txBody>
@@ -18258,7 +17938,7 @@
               <a:latin typeface="思源黑体 CN Regular" panose="020B0500000000000000" charset="-122"/>
               <a:ea typeface="思源黑体 CN Regular" panose="020B0500000000000000" charset="-122"/>
               <a:cs typeface="思源黑体 CN Regular" panose="020B0500000000000000" charset="-122"/>
-              <a:sym typeface="Arial" panose="020B0604020202020204" pitchFamily="34" charset="0"/>
+              <a:sym typeface="Arial" panose="020B0604020202090204" pitchFamily="34" charset="0"/>
             </a:endParaRPr>
           </a:p>
         </p:txBody>
@@ -18940,7 +18620,7 @@
                 <a:latin typeface="思源黑体 CN Regular" panose="020B0500000000000000" charset="-122"/>
                 <a:ea typeface="思源黑体 CN Regular" panose="020B0500000000000000" charset="-122"/>
                 <a:cs typeface="思源黑体 CN Regular" panose="020B0500000000000000" charset="-122"/>
-                <a:sym typeface="Arial" panose="020B0604020202020204" pitchFamily="34" charset="0"/>
+                <a:sym typeface="Arial" panose="020B0604020202090204" pitchFamily="34" charset="0"/>
               </a:rPr>
               <a:t>企业微信官方帮助中心</a:t>
             </a:r>
@@ -18951,7 +18631,7 @@
               <a:latin typeface="思源黑体 CN Regular" panose="020B0500000000000000" charset="-122"/>
               <a:ea typeface="思源黑体 CN Regular" panose="020B0500000000000000" charset="-122"/>
               <a:cs typeface="思源黑体 CN Regular" panose="020B0500000000000000" charset="-122"/>
-              <a:sym typeface="Arial" panose="020B0604020202020204" pitchFamily="34" charset="0"/>
+              <a:sym typeface="Arial" panose="020B0604020202090204" pitchFamily="34" charset="0"/>
             </a:endParaRPr>
           </a:p>
           <a:p>
@@ -18971,7 +18651,7 @@
                 <a:latin typeface="思源黑体 CN Regular" panose="020B0500000000000000" charset="-122"/>
                 <a:ea typeface="思源黑体 CN Regular" panose="020B0500000000000000" charset="-122"/>
                 <a:cs typeface="思源黑体 CN Regular" panose="020B0500000000000000" charset="-122"/>
-                <a:sym typeface="Arial" panose="020B0604020202020204" pitchFamily="34" charset="0"/>
+                <a:sym typeface="Arial" panose="020B0604020202090204" pitchFamily="34" charset="0"/>
               </a:rPr>
               <a:t>https://open.work.weixin.qq.com/help2/pc?person_id=1</a:t>
             </a:r>
@@ -18982,7 +18662,7 @@
               <a:latin typeface="思源黑体 CN Regular" panose="020B0500000000000000" charset="-122"/>
               <a:ea typeface="思源黑体 CN Regular" panose="020B0500000000000000" charset="-122"/>
               <a:cs typeface="思源黑体 CN Regular" panose="020B0500000000000000" charset="-122"/>
-              <a:sym typeface="Arial" panose="020B0604020202020204" pitchFamily="34" charset="0"/>
+              <a:sym typeface="Arial" panose="020B0604020202090204" pitchFamily="34" charset="0"/>
             </a:endParaRPr>
           </a:p>
           <a:p>
@@ -19001,7 +18681,7 @@
               <a:latin typeface="思源黑体 CN Regular" panose="020B0500000000000000" charset="-122"/>
               <a:ea typeface="思源黑体 CN Regular" panose="020B0500000000000000" charset="-122"/>
               <a:cs typeface="思源黑体 CN Regular" panose="020B0500000000000000" charset="-122"/>
-              <a:sym typeface="Arial" panose="020B0604020202020204" pitchFamily="34" charset="0"/>
+              <a:sym typeface="Arial" panose="020B0604020202090204" pitchFamily="34" charset="0"/>
             </a:endParaRPr>
           </a:p>
           <a:p>
@@ -19021,7 +18701,7 @@
                 <a:latin typeface="思源黑体 CN Regular" panose="020B0500000000000000" charset="-122"/>
                 <a:ea typeface="思源黑体 CN Regular" panose="020B0500000000000000" charset="-122"/>
                 <a:cs typeface="思源黑体 CN Regular" panose="020B0500000000000000" charset="-122"/>
-                <a:sym typeface="Arial" panose="020B0604020202020204" pitchFamily="34" charset="0"/>
+                <a:sym typeface="Arial" panose="020B0604020202090204" pitchFamily="34" charset="0"/>
               </a:rPr>
               <a:t>按自己所需的功能找对应的答案</a:t>
             </a:r>
@@ -19032,7 +18712,7 @@
               <a:latin typeface="思源黑体 CN Regular" panose="020B0500000000000000" charset="-122"/>
               <a:ea typeface="思源黑体 CN Regular" panose="020B0500000000000000" charset="-122"/>
               <a:cs typeface="思源黑体 CN Regular" panose="020B0500000000000000" charset="-122"/>
-              <a:sym typeface="Arial" panose="020B0604020202020204" pitchFamily="34" charset="0"/>
+              <a:sym typeface="Arial" panose="020B0604020202090204" pitchFamily="34" charset="0"/>
             </a:endParaRPr>
           </a:p>
         </p:txBody>
